--- a/hw01.pptx
+++ b/hw01.pptx
@@ -4,8 +4,18 @@
   <p:sldMasterIdLst>
     <p:sldMasterId id="2147483648" r:id="rId1"/>
   </p:sldMasterIdLst>
+  <p:notesMasterIdLst>
+    <p:notesMasterId r:id="rId10"/>
+  </p:notesMasterIdLst>
   <p:sldIdLst>
     <p:sldId id="256" r:id="rId2"/>
+    <p:sldId id="257" r:id="rId3"/>
+    <p:sldId id="258" r:id="rId4"/>
+    <p:sldId id="259" r:id="rId5"/>
+    <p:sldId id="260" r:id="rId6"/>
+    <p:sldId id="261" r:id="rId7"/>
+    <p:sldId id="262" r:id="rId8"/>
+    <p:sldId id="263" r:id="rId9"/>
   </p:sldIdLst>
   <p:sldSz cx="12192000" cy="6858000"/>
   <p:notesSz cx="6858000" cy="9144000"/>
@@ -104,7 +114,1545 @@
       </a:defRPr>
     </a:lvl9pPr>
   </p:defaultTextStyle>
+  <p:extLst>
+    <p:ext uri="{EFAFB233-063F-42B5-8137-9DF3F51BA10A}">
+      <p15:sldGuideLst xmlns:p15="http://schemas.microsoft.com/office/powerpoint/2012/main"/>
+    </p:ext>
+  </p:extLst>
 </p:presentation>
+</file>
+
+<file path=ppt/commentAuthors.xml><?xml version="1.0" encoding="utf-8"?>
+<p:cmAuthorLst xmlns:a="http://schemas.openxmlformats.org/drawingml/2006/main" xmlns:r="http://schemas.openxmlformats.org/officeDocument/2006/relationships" xmlns:p="http://schemas.openxmlformats.org/presentationml/2006/main">
+  <p:cmAuthor id="1" name="楊挺煜" initials="楊挺煜" lastIdx="1" clrIdx="0">
+    <p:extLst>
+      <p:ext uri="{19B8F6BF-5375-455C-9EA6-DF929625EA0E}">
+        <p15:presenceInfo xmlns:p15="http://schemas.microsoft.com/office/powerpoint/2012/main" userId="S-1-5-21-783074834-2415433000-3060175923-1001" providerId="AD"/>
+      </p:ext>
+    </p:extLst>
+  </p:cmAuthor>
+</p:cmAuthorLst>
+</file>
+
+<file path=ppt/notesMasters/notesMaster1.xml><?xml version="1.0" encoding="utf-8"?>
+<p:notesMaster xmlns:a="http://schemas.openxmlformats.org/drawingml/2006/main" xmlns:r="http://schemas.openxmlformats.org/officeDocument/2006/relationships" xmlns:p="http://schemas.openxmlformats.org/presentationml/2006/main">
+  <p:cSld>
+    <p:bg>
+      <p:bgRef idx="1001">
+        <a:schemeClr val="bg1"/>
+      </p:bgRef>
+    </p:bg>
+    <p:spTree>
+      <p:nvGrpSpPr>
+        <p:cNvPr id="1" name=""/>
+        <p:cNvGrpSpPr/>
+        <p:nvPr/>
+      </p:nvGrpSpPr>
+      <p:grpSpPr>
+        <a:xfrm>
+          <a:off x="0" y="0"/>
+          <a:ext cx="0" cy="0"/>
+          <a:chOff x="0" y="0"/>
+          <a:chExt cx="0" cy="0"/>
+        </a:xfrm>
+      </p:grpSpPr>
+      <p:sp>
+        <p:nvSpPr>
+          <p:cNvPr id="2" name="頁首版面配置區 1"/>
+          <p:cNvSpPr>
+            <a:spLocks noGrp="1"/>
+          </p:cNvSpPr>
+          <p:nvPr>
+            <p:ph type="hdr" sz="quarter"/>
+          </p:nvPr>
+        </p:nvSpPr>
+        <p:spPr>
+          <a:xfrm>
+            <a:off x="0" y="0"/>
+            <a:ext cx="2971800" cy="458788"/>
+          </a:xfrm>
+          <a:prstGeom prst="rect">
+            <a:avLst/>
+          </a:prstGeom>
+        </p:spPr>
+        <p:txBody>
+          <a:bodyPr vert="horz" lIns="91440" tIns="45720" rIns="91440" bIns="45720" rtlCol="0"/>
+          <a:lstStyle>
+            <a:lvl1pPr algn="l">
+              <a:defRPr sz="1200"/>
+            </a:lvl1pPr>
+          </a:lstStyle>
+          <a:p>
+            <a:endParaRPr lang="zh-TW" altLang="en-US"/>
+          </a:p>
+        </p:txBody>
+      </p:sp>
+      <p:sp>
+        <p:nvSpPr>
+          <p:cNvPr id="3" name="日期版面配置區 2"/>
+          <p:cNvSpPr>
+            <a:spLocks noGrp="1"/>
+          </p:cNvSpPr>
+          <p:nvPr>
+            <p:ph type="dt" idx="1"/>
+          </p:nvPr>
+        </p:nvSpPr>
+        <p:spPr>
+          <a:xfrm>
+            <a:off x="3884613" y="0"/>
+            <a:ext cx="2971800" cy="458788"/>
+          </a:xfrm>
+          <a:prstGeom prst="rect">
+            <a:avLst/>
+          </a:prstGeom>
+        </p:spPr>
+        <p:txBody>
+          <a:bodyPr vert="horz" lIns="91440" tIns="45720" rIns="91440" bIns="45720" rtlCol="0"/>
+          <a:lstStyle>
+            <a:lvl1pPr algn="r">
+              <a:defRPr sz="1200"/>
+            </a:lvl1pPr>
+          </a:lstStyle>
+          <a:p>
+            <a:fld id="{345B82BB-3458-482B-A505-3BF2955DB41D}" type="datetimeFigureOut">
+              <a:rPr lang="zh-TW" altLang="en-US" smtClean="0"/>
+              <a:t>2024/10/19</a:t>
+            </a:fld>
+            <a:endParaRPr lang="zh-TW" altLang="en-US"/>
+          </a:p>
+        </p:txBody>
+      </p:sp>
+      <p:sp>
+        <p:nvSpPr>
+          <p:cNvPr id="4" name="投影片影像版面配置區 3"/>
+          <p:cNvSpPr>
+            <a:spLocks noGrp="1" noRot="1" noChangeAspect="1"/>
+          </p:cNvSpPr>
+          <p:nvPr>
+            <p:ph type="sldImg" idx="2"/>
+          </p:nvPr>
+        </p:nvSpPr>
+        <p:spPr>
+          <a:xfrm>
+            <a:off x="685800" y="1143000"/>
+            <a:ext cx="5486400" cy="3086100"/>
+          </a:xfrm>
+          <a:prstGeom prst="rect">
+            <a:avLst/>
+          </a:prstGeom>
+          <a:noFill/>
+          <a:ln w="12700">
+            <a:solidFill>
+              <a:prstClr val="black"/>
+            </a:solidFill>
+          </a:ln>
+        </p:spPr>
+        <p:txBody>
+          <a:bodyPr vert="horz" lIns="91440" tIns="45720" rIns="91440" bIns="45720" rtlCol="0" anchor="ctr"/>
+          <a:lstStyle/>
+          <a:p>
+            <a:endParaRPr lang="zh-TW" altLang="en-US"/>
+          </a:p>
+        </p:txBody>
+      </p:sp>
+      <p:sp>
+        <p:nvSpPr>
+          <p:cNvPr id="5" name="備忘稿版面配置區 4"/>
+          <p:cNvSpPr>
+            <a:spLocks noGrp="1"/>
+          </p:cNvSpPr>
+          <p:nvPr>
+            <p:ph type="body" sz="quarter" idx="3"/>
+          </p:nvPr>
+        </p:nvSpPr>
+        <p:spPr>
+          <a:xfrm>
+            <a:off x="685800" y="4400550"/>
+            <a:ext cx="5486400" cy="3600450"/>
+          </a:xfrm>
+          <a:prstGeom prst="rect">
+            <a:avLst/>
+          </a:prstGeom>
+        </p:spPr>
+        <p:txBody>
+          <a:bodyPr vert="horz" lIns="91440" tIns="45720" rIns="91440" bIns="45720" rtlCol="0"/>
+          <a:lstStyle/>
+          <a:p>
+            <a:pPr lvl="0"/>
+            <a:r>
+              <a:rPr lang="zh-TW" altLang="en-US"/>
+              <a:t>編輯母片文字樣式</a:t>
+            </a:r>
+          </a:p>
+          <a:p>
+            <a:pPr lvl="1"/>
+            <a:r>
+              <a:rPr lang="zh-TW" altLang="en-US"/>
+              <a:t>第二層</a:t>
+            </a:r>
+          </a:p>
+          <a:p>
+            <a:pPr lvl="2"/>
+            <a:r>
+              <a:rPr lang="zh-TW" altLang="en-US"/>
+              <a:t>第三層</a:t>
+            </a:r>
+          </a:p>
+          <a:p>
+            <a:pPr lvl="3"/>
+            <a:r>
+              <a:rPr lang="zh-TW" altLang="en-US"/>
+              <a:t>第四層</a:t>
+            </a:r>
+          </a:p>
+          <a:p>
+            <a:pPr lvl="4"/>
+            <a:r>
+              <a:rPr lang="zh-TW" altLang="en-US"/>
+              <a:t>第五層</a:t>
+            </a:r>
+          </a:p>
+        </p:txBody>
+      </p:sp>
+      <p:sp>
+        <p:nvSpPr>
+          <p:cNvPr id="6" name="頁尾版面配置區 5"/>
+          <p:cNvSpPr>
+            <a:spLocks noGrp="1"/>
+          </p:cNvSpPr>
+          <p:nvPr>
+            <p:ph type="ftr" sz="quarter" idx="4"/>
+          </p:nvPr>
+        </p:nvSpPr>
+        <p:spPr>
+          <a:xfrm>
+            <a:off x="0" y="8685213"/>
+            <a:ext cx="2971800" cy="458787"/>
+          </a:xfrm>
+          <a:prstGeom prst="rect">
+            <a:avLst/>
+          </a:prstGeom>
+        </p:spPr>
+        <p:txBody>
+          <a:bodyPr vert="horz" lIns="91440" tIns="45720" rIns="91440" bIns="45720" rtlCol="0" anchor="b"/>
+          <a:lstStyle>
+            <a:lvl1pPr algn="l">
+              <a:defRPr sz="1200"/>
+            </a:lvl1pPr>
+          </a:lstStyle>
+          <a:p>
+            <a:endParaRPr lang="zh-TW" altLang="en-US"/>
+          </a:p>
+        </p:txBody>
+      </p:sp>
+      <p:sp>
+        <p:nvSpPr>
+          <p:cNvPr id="7" name="投影片編號版面配置區 6"/>
+          <p:cNvSpPr>
+            <a:spLocks noGrp="1"/>
+          </p:cNvSpPr>
+          <p:nvPr>
+            <p:ph type="sldNum" sz="quarter" idx="5"/>
+          </p:nvPr>
+        </p:nvSpPr>
+        <p:spPr>
+          <a:xfrm>
+            <a:off x="3884613" y="8685213"/>
+            <a:ext cx="2971800" cy="458787"/>
+          </a:xfrm>
+          <a:prstGeom prst="rect">
+            <a:avLst/>
+          </a:prstGeom>
+        </p:spPr>
+        <p:txBody>
+          <a:bodyPr vert="horz" lIns="91440" tIns="45720" rIns="91440" bIns="45720" rtlCol="0" anchor="b"/>
+          <a:lstStyle>
+            <a:lvl1pPr algn="r">
+              <a:defRPr sz="1200"/>
+            </a:lvl1pPr>
+          </a:lstStyle>
+          <a:p>
+            <a:fld id="{11565D60-3C2A-4B9D-8ECF-EF1600ABA2C5}" type="slidenum">
+              <a:rPr lang="zh-TW" altLang="en-US" smtClean="0"/>
+              <a:t>‹#›</a:t>
+            </a:fld>
+            <a:endParaRPr lang="zh-TW" altLang="en-US"/>
+          </a:p>
+        </p:txBody>
+      </p:sp>
+    </p:spTree>
+    <p:extLst>
+      <p:ext uri="{BB962C8B-B14F-4D97-AF65-F5344CB8AC3E}">
+        <p14:creationId xmlns:p14="http://schemas.microsoft.com/office/powerpoint/2010/main" val="2929401416"/>
+      </p:ext>
+    </p:extLst>
+  </p:cSld>
+  <p:clrMap bg1="lt1" tx1="dk1" bg2="lt2" tx2="dk2" accent1="accent1" accent2="accent2" accent3="accent3" accent4="accent4" accent5="accent5" accent6="accent6" hlink="hlink" folHlink="folHlink"/>
+  <p:notesStyle>
+    <a:lvl1pPr marL="0" algn="l" defTabSz="914400" rtl="0" eaLnBrk="1" latinLnBrk="0" hangingPunct="1">
+      <a:defRPr sz="1200" kern="1200">
+        <a:solidFill>
+          <a:schemeClr val="tx1"/>
+        </a:solidFill>
+        <a:latin typeface="+mn-lt"/>
+        <a:ea typeface="+mn-ea"/>
+        <a:cs typeface="+mn-cs"/>
+      </a:defRPr>
+    </a:lvl1pPr>
+    <a:lvl2pPr marL="457200" algn="l" defTabSz="914400" rtl="0" eaLnBrk="1" latinLnBrk="0" hangingPunct="1">
+      <a:defRPr sz="1200" kern="1200">
+        <a:solidFill>
+          <a:schemeClr val="tx1"/>
+        </a:solidFill>
+        <a:latin typeface="+mn-lt"/>
+        <a:ea typeface="+mn-ea"/>
+        <a:cs typeface="+mn-cs"/>
+      </a:defRPr>
+    </a:lvl2pPr>
+    <a:lvl3pPr marL="914400" algn="l" defTabSz="914400" rtl="0" eaLnBrk="1" latinLnBrk="0" hangingPunct="1">
+      <a:defRPr sz="1200" kern="1200">
+        <a:solidFill>
+          <a:schemeClr val="tx1"/>
+        </a:solidFill>
+        <a:latin typeface="+mn-lt"/>
+        <a:ea typeface="+mn-ea"/>
+        <a:cs typeface="+mn-cs"/>
+      </a:defRPr>
+    </a:lvl3pPr>
+    <a:lvl4pPr marL="1371600" algn="l" defTabSz="914400" rtl="0" eaLnBrk="1" latinLnBrk="0" hangingPunct="1">
+      <a:defRPr sz="1200" kern="1200">
+        <a:solidFill>
+          <a:schemeClr val="tx1"/>
+        </a:solidFill>
+        <a:latin typeface="+mn-lt"/>
+        <a:ea typeface="+mn-ea"/>
+        <a:cs typeface="+mn-cs"/>
+      </a:defRPr>
+    </a:lvl4pPr>
+    <a:lvl5pPr marL="1828800" algn="l" defTabSz="914400" rtl="0" eaLnBrk="1" latinLnBrk="0" hangingPunct="1">
+      <a:defRPr sz="1200" kern="1200">
+        <a:solidFill>
+          <a:schemeClr val="tx1"/>
+        </a:solidFill>
+        <a:latin typeface="+mn-lt"/>
+        <a:ea typeface="+mn-ea"/>
+        <a:cs typeface="+mn-cs"/>
+      </a:defRPr>
+    </a:lvl5pPr>
+    <a:lvl6pPr marL="2286000" algn="l" defTabSz="914400" rtl="0" eaLnBrk="1" latinLnBrk="0" hangingPunct="1">
+      <a:defRPr sz="1200" kern="1200">
+        <a:solidFill>
+          <a:schemeClr val="tx1"/>
+        </a:solidFill>
+        <a:latin typeface="+mn-lt"/>
+        <a:ea typeface="+mn-ea"/>
+        <a:cs typeface="+mn-cs"/>
+      </a:defRPr>
+    </a:lvl6pPr>
+    <a:lvl7pPr marL="2743200" algn="l" defTabSz="914400" rtl="0" eaLnBrk="1" latinLnBrk="0" hangingPunct="1">
+      <a:defRPr sz="1200" kern="1200">
+        <a:solidFill>
+          <a:schemeClr val="tx1"/>
+        </a:solidFill>
+        <a:latin typeface="+mn-lt"/>
+        <a:ea typeface="+mn-ea"/>
+        <a:cs typeface="+mn-cs"/>
+      </a:defRPr>
+    </a:lvl7pPr>
+    <a:lvl8pPr marL="3200400" algn="l" defTabSz="914400" rtl="0" eaLnBrk="1" latinLnBrk="0" hangingPunct="1">
+      <a:defRPr sz="1200" kern="1200">
+        <a:solidFill>
+          <a:schemeClr val="tx1"/>
+        </a:solidFill>
+        <a:latin typeface="+mn-lt"/>
+        <a:ea typeface="+mn-ea"/>
+        <a:cs typeface="+mn-cs"/>
+      </a:defRPr>
+    </a:lvl8pPr>
+    <a:lvl9pPr marL="3657600" algn="l" defTabSz="914400" rtl="0" eaLnBrk="1" latinLnBrk="0" hangingPunct="1">
+      <a:defRPr sz="1200" kern="1200">
+        <a:solidFill>
+          <a:schemeClr val="tx1"/>
+        </a:solidFill>
+        <a:latin typeface="+mn-lt"/>
+        <a:ea typeface="+mn-ea"/>
+        <a:cs typeface="+mn-cs"/>
+      </a:defRPr>
+    </a:lvl9pPr>
+  </p:notesStyle>
+</p:notesMaster>
+</file>
+
+<file path=ppt/notesSlides/notesSlide1.xml><?xml version="1.0" encoding="utf-8"?>
+<p:notes xmlns:a="http://schemas.openxmlformats.org/drawingml/2006/main" xmlns:r="http://schemas.openxmlformats.org/officeDocument/2006/relationships" xmlns:p="http://schemas.openxmlformats.org/presentationml/2006/main">
+  <p:cSld>
+    <p:spTree>
+      <p:nvGrpSpPr>
+        <p:cNvPr id="1" name=""/>
+        <p:cNvGrpSpPr/>
+        <p:nvPr/>
+      </p:nvGrpSpPr>
+      <p:grpSpPr>
+        <a:xfrm>
+          <a:off x="0" y="0"/>
+          <a:ext cx="0" cy="0"/>
+          <a:chOff x="0" y="0"/>
+          <a:chExt cx="0" cy="0"/>
+        </a:xfrm>
+      </p:grpSpPr>
+      <p:sp>
+        <p:nvSpPr>
+          <p:cNvPr id="2" name="投影片影像版面配置區 1"/>
+          <p:cNvSpPr>
+            <a:spLocks noGrp="1" noRot="1" noChangeAspect="1"/>
+          </p:cNvSpPr>
+          <p:nvPr>
+            <p:ph type="sldImg"/>
+          </p:nvPr>
+        </p:nvSpPr>
+        <p:spPr/>
+      </p:sp>
+      <p:sp>
+        <p:nvSpPr>
+          <p:cNvPr id="3" name="備忘稿版面配置區 2"/>
+          <p:cNvSpPr>
+            <a:spLocks noGrp="1"/>
+          </p:cNvSpPr>
+          <p:nvPr>
+            <p:ph type="body" idx="1"/>
+          </p:nvPr>
+        </p:nvSpPr>
+        <p:spPr/>
+        <p:txBody>
+          <a:bodyPr/>
+          <a:lstStyle/>
+          <a:p>
+            <a:r>
+              <a:rPr lang="zh-TW" altLang="en-US" sz="1200" b="1" i="0" kern="1200" dirty="0">
+                <a:solidFill>
+                  <a:schemeClr val="tx1"/>
+                </a:solidFill>
+                <a:effectLst/>
+                <a:latin typeface="+mn-lt"/>
+                <a:ea typeface="+mn-ea"/>
+                <a:cs typeface="+mn-cs"/>
+              </a:rPr>
+              <a:t>一個日本</a:t>
+            </a:r>
+            <a:r>
+              <a:rPr lang="en-US" altLang="zh-TW" sz="1200" b="1" i="0" kern="1200" dirty="0">
+                <a:solidFill>
+                  <a:schemeClr val="tx1"/>
+                </a:solidFill>
+                <a:effectLst/>
+                <a:latin typeface="+mn-lt"/>
+                <a:ea typeface="+mn-ea"/>
+                <a:cs typeface="+mn-cs"/>
+              </a:rPr>
+              <a:t>2D</a:t>
+            </a:r>
+            <a:r>
+              <a:rPr lang="zh-TW" altLang="en-US" sz="1200" b="1" i="0" kern="1200" dirty="0">
+                <a:solidFill>
+                  <a:schemeClr val="tx1"/>
+                </a:solidFill>
+                <a:effectLst/>
+                <a:latin typeface="+mn-lt"/>
+                <a:ea typeface="+mn-ea"/>
+                <a:cs typeface="+mn-cs"/>
+              </a:rPr>
+              <a:t>卡通風格的角色，身高瘦長，穿著白色襯衫，打紅領帶，穿著深藍吊帶褲子，帶著雪人頭套，頭上有一個小小的三角形棕色帽子，眼睛是純藍色，黑色的三角形鼻子，紅色嘴巴，喜愛畫畫，站在一個有一些油漆桶的書房，手裡拿著畫筆，平面的畫風，沒有頭髮</a:t>
+            </a:r>
+            <a:endParaRPr lang="en-US" altLang="zh-TW" sz="1200" b="1" i="0" kern="1200" dirty="0">
+              <a:solidFill>
+                <a:schemeClr val="tx1"/>
+              </a:solidFill>
+              <a:effectLst/>
+              <a:latin typeface="+mn-lt"/>
+              <a:ea typeface="+mn-ea"/>
+              <a:cs typeface="+mn-cs"/>
+            </a:endParaRPr>
+          </a:p>
+          <a:p>
+            <a:endParaRPr lang="en-US" altLang="zh-TW" sz="1200" b="1" i="0" kern="1200" dirty="0">
+              <a:solidFill>
+                <a:schemeClr val="tx1"/>
+              </a:solidFill>
+              <a:effectLst/>
+              <a:latin typeface="+mn-lt"/>
+              <a:ea typeface="+mn-ea"/>
+              <a:cs typeface="+mn-cs"/>
+            </a:endParaRPr>
+          </a:p>
+          <a:p>
+            <a:r>
+              <a:rPr lang="zh-TW" altLang="en-US" dirty="0"/>
+              <a:t>成為一名優秀的畫家。為自己舉辦畫展，取得大家對自己藝術的認同是我的</a:t>
+            </a:r>
+            <a:r>
+              <a:rPr lang="zh-TW" altLang="en-US" b="1" dirty="0"/>
+              <a:t>目標。</a:t>
+            </a:r>
+            <a:endParaRPr lang="zh-TW" altLang="en-US" dirty="0"/>
+          </a:p>
+        </p:txBody>
+      </p:sp>
+      <p:sp>
+        <p:nvSpPr>
+          <p:cNvPr id="4" name="投影片編號版面配置區 3"/>
+          <p:cNvSpPr>
+            <a:spLocks noGrp="1"/>
+          </p:cNvSpPr>
+          <p:nvPr>
+            <p:ph type="sldNum" sz="quarter" idx="5"/>
+          </p:nvPr>
+        </p:nvSpPr>
+        <p:spPr/>
+        <p:txBody>
+          <a:bodyPr/>
+          <a:lstStyle/>
+          <a:p>
+            <a:fld id="{11565D60-3C2A-4B9D-8ECF-EF1600ABA2C5}" type="slidenum">
+              <a:rPr lang="zh-TW" altLang="en-US" smtClean="0"/>
+              <a:t>2</a:t>
+            </a:fld>
+            <a:endParaRPr lang="zh-TW" altLang="en-US"/>
+          </a:p>
+        </p:txBody>
+      </p:sp>
+    </p:spTree>
+    <p:extLst>
+      <p:ext uri="{BB962C8B-B14F-4D97-AF65-F5344CB8AC3E}">
+        <p14:creationId xmlns:p14="http://schemas.microsoft.com/office/powerpoint/2010/main" val="4013164515"/>
+      </p:ext>
+    </p:extLst>
+  </p:cSld>
+  <p:clrMapOvr>
+    <a:masterClrMapping/>
+  </p:clrMapOvr>
+</p:notes>
+</file>
+
+<file path=ppt/notesSlides/notesSlide2.xml><?xml version="1.0" encoding="utf-8"?>
+<p:notes xmlns:a="http://schemas.openxmlformats.org/drawingml/2006/main" xmlns:r="http://schemas.openxmlformats.org/officeDocument/2006/relationships" xmlns:p="http://schemas.openxmlformats.org/presentationml/2006/main">
+  <p:cSld>
+    <p:spTree>
+      <p:nvGrpSpPr>
+        <p:cNvPr id="1" name=""/>
+        <p:cNvGrpSpPr/>
+        <p:nvPr/>
+      </p:nvGrpSpPr>
+      <p:grpSpPr>
+        <a:xfrm>
+          <a:off x="0" y="0"/>
+          <a:ext cx="0" cy="0"/>
+          <a:chOff x="0" y="0"/>
+          <a:chExt cx="0" cy="0"/>
+        </a:xfrm>
+      </p:grpSpPr>
+      <p:sp>
+        <p:nvSpPr>
+          <p:cNvPr id="2" name="投影片影像版面配置區 1"/>
+          <p:cNvSpPr>
+            <a:spLocks noGrp="1" noRot="1" noChangeAspect="1"/>
+          </p:cNvSpPr>
+          <p:nvPr>
+            <p:ph type="sldImg"/>
+          </p:nvPr>
+        </p:nvSpPr>
+        <p:spPr/>
+      </p:sp>
+      <p:sp>
+        <p:nvSpPr>
+          <p:cNvPr id="3" name="備忘稿版面配置區 2"/>
+          <p:cNvSpPr>
+            <a:spLocks noGrp="1"/>
+          </p:cNvSpPr>
+          <p:nvPr>
+            <p:ph type="body" idx="1"/>
+          </p:nvPr>
+        </p:nvSpPr>
+        <p:spPr/>
+        <p:txBody>
+          <a:bodyPr/>
+          <a:lstStyle/>
+          <a:p>
+            <a:r>
+              <a:rPr lang="zh-TW" altLang="en-US" sz="1200" b="1" i="0" kern="1200" dirty="0">
+                <a:solidFill>
+                  <a:schemeClr val="tx1"/>
+                </a:solidFill>
+                <a:effectLst/>
+                <a:latin typeface="+mn-lt"/>
+                <a:ea typeface="+mn-ea"/>
+                <a:cs typeface="+mn-cs"/>
+              </a:rPr>
+              <a:t>一個日本</a:t>
+            </a:r>
+            <a:r>
+              <a:rPr lang="en-US" altLang="zh-TW" sz="1200" b="1" i="0" kern="1200" dirty="0">
+                <a:solidFill>
+                  <a:schemeClr val="tx1"/>
+                </a:solidFill>
+                <a:effectLst/>
+                <a:latin typeface="+mn-lt"/>
+                <a:ea typeface="+mn-ea"/>
+                <a:cs typeface="+mn-cs"/>
+              </a:rPr>
+              <a:t>2D</a:t>
+            </a:r>
+            <a:r>
+              <a:rPr lang="zh-TW" altLang="en-US" sz="1200" b="1" i="0" kern="1200" dirty="0">
+                <a:solidFill>
+                  <a:schemeClr val="tx1"/>
+                </a:solidFill>
+                <a:effectLst/>
+                <a:latin typeface="+mn-lt"/>
+                <a:ea typeface="+mn-ea"/>
+                <a:cs typeface="+mn-cs"/>
+              </a:rPr>
+              <a:t>卡通風格的角色，身高瘦長，穿著白色襯衫，打紅領帶，穿著深藍吊帶褲子，帶著雪人頭套，頭上有一個小小的三角形棕色帽子，眼睛是純藍色，黑色的三角形鼻子，紅色嘴巴，喜愛畫畫，站在一個有一些油漆桶的書房，手裡拿著畫筆，平面的畫風，沒有頭髮，背景多加兩位父母親，臉上透漏著憤怒</a:t>
+            </a:r>
+            <a:endParaRPr lang="en-US" altLang="zh-TW" sz="1200" b="1" i="0" kern="1200" dirty="0">
+              <a:solidFill>
+                <a:schemeClr val="tx1"/>
+              </a:solidFill>
+              <a:effectLst/>
+              <a:latin typeface="+mn-lt"/>
+              <a:ea typeface="+mn-ea"/>
+              <a:cs typeface="+mn-cs"/>
+            </a:endParaRPr>
+          </a:p>
+          <a:p>
+            <a:endParaRPr lang="en-US" altLang="zh-TW" sz="1200" b="1" i="0" kern="1200" dirty="0">
+              <a:solidFill>
+                <a:schemeClr val="tx1"/>
+              </a:solidFill>
+              <a:effectLst/>
+              <a:latin typeface="+mn-lt"/>
+              <a:ea typeface="+mn-ea"/>
+              <a:cs typeface="+mn-cs"/>
+            </a:endParaRPr>
+          </a:p>
+          <a:p>
+            <a:r>
+              <a:rPr lang="zh-TW" altLang="en-US" dirty="0"/>
+              <a:t>然而</a:t>
+            </a:r>
+            <a:r>
+              <a:rPr lang="en-US" altLang="zh-TW" dirty="0"/>
+              <a:t>,</a:t>
+            </a:r>
+            <a:r>
+              <a:rPr lang="zh-TW" altLang="en-US" dirty="0"/>
+              <a:t>家庭的經濟狀況成為了他追求夢想的</a:t>
+            </a:r>
+            <a:r>
+              <a:rPr lang="zh-TW" altLang="en-US" b="1" dirty="0"/>
+              <a:t>阻礙</a:t>
+            </a:r>
+            <a:r>
+              <a:rPr lang="zh-TW" altLang="en-US" dirty="0"/>
+              <a:t>。父母希望他選擇一個更穩定的職業</a:t>
+            </a:r>
+            <a:r>
+              <a:rPr lang="en-US" altLang="zh-TW" dirty="0"/>
+              <a:t>,</a:t>
+            </a:r>
+            <a:r>
+              <a:rPr lang="zh-TW" altLang="en-US" dirty="0"/>
+              <a:t>而不是冒險走藝術這條路。</a:t>
+            </a:r>
+          </a:p>
+        </p:txBody>
+      </p:sp>
+      <p:sp>
+        <p:nvSpPr>
+          <p:cNvPr id="4" name="投影片編號版面配置區 3"/>
+          <p:cNvSpPr>
+            <a:spLocks noGrp="1"/>
+          </p:cNvSpPr>
+          <p:nvPr>
+            <p:ph type="sldNum" sz="quarter" idx="5"/>
+          </p:nvPr>
+        </p:nvSpPr>
+        <p:spPr/>
+        <p:txBody>
+          <a:bodyPr/>
+          <a:lstStyle/>
+          <a:p>
+            <a:fld id="{11565D60-3C2A-4B9D-8ECF-EF1600ABA2C5}" type="slidenum">
+              <a:rPr lang="zh-TW" altLang="en-US" smtClean="0"/>
+              <a:t>3</a:t>
+            </a:fld>
+            <a:endParaRPr lang="zh-TW" altLang="en-US"/>
+          </a:p>
+        </p:txBody>
+      </p:sp>
+    </p:spTree>
+    <p:extLst>
+      <p:ext uri="{BB962C8B-B14F-4D97-AF65-F5344CB8AC3E}">
+        <p14:creationId xmlns:p14="http://schemas.microsoft.com/office/powerpoint/2010/main" val="891773131"/>
+      </p:ext>
+    </p:extLst>
+  </p:cSld>
+  <p:clrMapOvr>
+    <a:masterClrMapping/>
+  </p:clrMapOvr>
+</p:notes>
+</file>
+
+<file path=ppt/notesSlides/notesSlide3.xml><?xml version="1.0" encoding="utf-8"?>
+<p:notes xmlns:a="http://schemas.openxmlformats.org/drawingml/2006/main" xmlns:r="http://schemas.openxmlformats.org/officeDocument/2006/relationships" xmlns:p="http://schemas.openxmlformats.org/presentationml/2006/main">
+  <p:cSld>
+    <p:spTree>
+      <p:nvGrpSpPr>
+        <p:cNvPr id="1" name=""/>
+        <p:cNvGrpSpPr/>
+        <p:nvPr/>
+      </p:nvGrpSpPr>
+      <p:grpSpPr>
+        <a:xfrm>
+          <a:off x="0" y="0"/>
+          <a:ext cx="0" cy="0"/>
+          <a:chOff x="0" y="0"/>
+          <a:chExt cx="0" cy="0"/>
+        </a:xfrm>
+      </p:grpSpPr>
+      <p:sp>
+        <p:nvSpPr>
+          <p:cNvPr id="2" name="投影片影像版面配置區 1"/>
+          <p:cNvSpPr>
+            <a:spLocks noGrp="1" noRot="1" noChangeAspect="1"/>
+          </p:cNvSpPr>
+          <p:nvPr>
+            <p:ph type="sldImg"/>
+          </p:nvPr>
+        </p:nvSpPr>
+        <p:spPr/>
+      </p:sp>
+      <p:sp>
+        <p:nvSpPr>
+          <p:cNvPr id="3" name="備忘稿版面配置區 2"/>
+          <p:cNvSpPr>
+            <a:spLocks noGrp="1"/>
+          </p:cNvSpPr>
+          <p:nvPr>
+            <p:ph type="body" idx="1"/>
+          </p:nvPr>
+        </p:nvSpPr>
+        <p:spPr/>
+        <p:txBody>
+          <a:bodyPr/>
+          <a:lstStyle/>
+          <a:p>
+            <a:r>
+              <a:rPr lang="zh-TW" altLang="en-US" sz="1200" b="1" i="0" kern="1200" dirty="0">
+                <a:solidFill>
+                  <a:schemeClr val="tx1"/>
+                </a:solidFill>
+                <a:effectLst/>
+                <a:latin typeface="+mn-lt"/>
+                <a:ea typeface="+mn-ea"/>
+                <a:cs typeface="+mn-cs"/>
+              </a:rPr>
+              <a:t>一個日本</a:t>
+            </a:r>
+            <a:r>
+              <a:rPr lang="en-US" altLang="zh-TW" sz="1200" b="1" i="0" kern="1200" dirty="0">
+                <a:solidFill>
+                  <a:schemeClr val="tx1"/>
+                </a:solidFill>
+                <a:effectLst/>
+                <a:latin typeface="+mn-lt"/>
+                <a:ea typeface="+mn-ea"/>
+                <a:cs typeface="+mn-cs"/>
+              </a:rPr>
+              <a:t>2D</a:t>
+            </a:r>
+            <a:r>
+              <a:rPr lang="zh-TW" altLang="en-US" sz="1200" b="1" i="0" kern="1200" dirty="0">
+                <a:solidFill>
+                  <a:schemeClr val="tx1"/>
+                </a:solidFill>
+                <a:effectLst/>
+                <a:latin typeface="+mn-lt"/>
+                <a:ea typeface="+mn-ea"/>
+                <a:cs typeface="+mn-cs"/>
+              </a:rPr>
+              <a:t>卡通風格的角色，身高瘦長，穿著白色襯衫，打紅領帶，穿著深藍吊帶褲子，帶著雪人頭套，頭上有一個小小的三角形棕色帽子，眼睛是純藍色，黑色的三角形鼻子，紅色嘴巴，臉上留著汗水在夜晚中努力畫畫的樣子</a:t>
+            </a:r>
+            <a:endParaRPr lang="en-US" altLang="zh-TW" sz="1200" b="1" i="0" kern="1200" dirty="0">
+              <a:solidFill>
+                <a:schemeClr val="tx1"/>
+              </a:solidFill>
+              <a:effectLst/>
+              <a:latin typeface="+mn-lt"/>
+              <a:ea typeface="+mn-ea"/>
+              <a:cs typeface="+mn-cs"/>
+            </a:endParaRPr>
+          </a:p>
+          <a:p>
+            <a:endParaRPr lang="en-US" altLang="zh-TW" sz="1200" b="1" i="0" kern="1200" dirty="0">
+              <a:solidFill>
+                <a:schemeClr val="tx1"/>
+              </a:solidFill>
+              <a:effectLst/>
+              <a:latin typeface="+mn-lt"/>
+              <a:ea typeface="+mn-ea"/>
+              <a:cs typeface="+mn-cs"/>
+            </a:endParaRPr>
+          </a:p>
+          <a:p>
+            <a:r>
+              <a:rPr lang="zh-TW" altLang="en-US" dirty="0"/>
+              <a:t>但我沒有放棄。日以繼夜地</a:t>
+            </a:r>
+            <a:r>
+              <a:rPr lang="zh-TW" altLang="en-US" b="1" dirty="0"/>
+              <a:t>努力</a:t>
+            </a:r>
+            <a:r>
+              <a:rPr lang="zh-TW" altLang="en-US" dirty="0"/>
+              <a:t>練習繪畫</a:t>
+            </a:r>
+            <a:r>
+              <a:rPr lang="en-US" altLang="zh-TW" dirty="0"/>
+              <a:t>,</a:t>
+            </a:r>
+            <a:r>
+              <a:rPr lang="zh-TW" altLang="en-US" dirty="0"/>
+              <a:t>同時打工賺錢支付美術課程的學費。經過兩年的堅持</a:t>
+            </a:r>
+            <a:r>
+              <a:rPr lang="en-US" altLang="zh-TW" dirty="0"/>
+              <a:t>,</a:t>
+            </a:r>
+            <a:r>
+              <a:rPr lang="zh-TW" altLang="en-US" dirty="0"/>
+              <a:t>畫技有了顯著的進步</a:t>
+            </a:r>
+            <a:r>
+              <a:rPr lang="en-US" altLang="zh-TW" dirty="0"/>
+              <a:t>,</a:t>
+            </a:r>
+            <a:r>
+              <a:rPr lang="zh-TW" altLang="en-US" dirty="0"/>
+              <a:t>這個</a:t>
+            </a:r>
+            <a:r>
+              <a:rPr lang="zh-TW" altLang="en-US" b="1" dirty="0"/>
+              <a:t>結果</a:t>
+            </a:r>
+            <a:r>
+              <a:rPr lang="zh-TW" altLang="en-US" dirty="0"/>
+              <a:t>讓我更加堅定了自己的選擇。</a:t>
+            </a:r>
+          </a:p>
+        </p:txBody>
+      </p:sp>
+      <p:sp>
+        <p:nvSpPr>
+          <p:cNvPr id="4" name="投影片編號版面配置區 3"/>
+          <p:cNvSpPr>
+            <a:spLocks noGrp="1"/>
+          </p:cNvSpPr>
+          <p:nvPr>
+            <p:ph type="sldNum" sz="quarter" idx="5"/>
+          </p:nvPr>
+        </p:nvSpPr>
+        <p:spPr/>
+        <p:txBody>
+          <a:bodyPr/>
+          <a:lstStyle/>
+          <a:p>
+            <a:fld id="{11565D60-3C2A-4B9D-8ECF-EF1600ABA2C5}" type="slidenum">
+              <a:rPr lang="zh-TW" altLang="en-US" smtClean="0"/>
+              <a:t>4</a:t>
+            </a:fld>
+            <a:endParaRPr lang="zh-TW" altLang="en-US"/>
+          </a:p>
+        </p:txBody>
+      </p:sp>
+    </p:spTree>
+    <p:extLst>
+      <p:ext uri="{BB962C8B-B14F-4D97-AF65-F5344CB8AC3E}">
+        <p14:creationId xmlns:p14="http://schemas.microsoft.com/office/powerpoint/2010/main" val="3877273804"/>
+      </p:ext>
+    </p:extLst>
+  </p:cSld>
+  <p:clrMapOvr>
+    <a:masterClrMapping/>
+  </p:clrMapOvr>
+</p:notes>
+</file>
+
+<file path=ppt/notesSlides/notesSlide4.xml><?xml version="1.0" encoding="utf-8"?>
+<p:notes xmlns:a="http://schemas.openxmlformats.org/drawingml/2006/main" xmlns:r="http://schemas.openxmlformats.org/officeDocument/2006/relationships" xmlns:p="http://schemas.openxmlformats.org/presentationml/2006/main">
+  <p:cSld>
+    <p:spTree>
+      <p:nvGrpSpPr>
+        <p:cNvPr id="1" name=""/>
+        <p:cNvGrpSpPr/>
+        <p:nvPr/>
+      </p:nvGrpSpPr>
+      <p:grpSpPr>
+        <a:xfrm>
+          <a:off x="0" y="0"/>
+          <a:ext cx="0" cy="0"/>
+          <a:chOff x="0" y="0"/>
+          <a:chExt cx="0" cy="0"/>
+        </a:xfrm>
+      </p:grpSpPr>
+      <p:sp>
+        <p:nvSpPr>
+          <p:cNvPr id="2" name="投影片影像版面配置區 1"/>
+          <p:cNvSpPr>
+            <a:spLocks noGrp="1" noRot="1" noChangeAspect="1"/>
+          </p:cNvSpPr>
+          <p:nvPr>
+            <p:ph type="sldImg"/>
+          </p:nvPr>
+        </p:nvSpPr>
+        <p:spPr/>
+      </p:sp>
+      <p:sp>
+        <p:nvSpPr>
+          <p:cNvPr id="3" name="備忘稿版面配置區 2"/>
+          <p:cNvSpPr>
+            <a:spLocks noGrp="1"/>
+          </p:cNvSpPr>
+          <p:nvPr>
+            <p:ph type="body" idx="1"/>
+          </p:nvPr>
+        </p:nvSpPr>
+        <p:spPr/>
+        <p:txBody>
+          <a:bodyPr/>
+          <a:lstStyle/>
+          <a:p>
+            <a:r>
+              <a:rPr lang="zh-TW" altLang="en-US" sz="1200" b="1" i="0" kern="1200" dirty="0">
+                <a:solidFill>
+                  <a:schemeClr val="tx1"/>
+                </a:solidFill>
+                <a:effectLst/>
+                <a:latin typeface="+mn-lt"/>
+                <a:ea typeface="+mn-ea"/>
+                <a:cs typeface="+mn-cs"/>
+              </a:rPr>
+              <a:t>一個日本</a:t>
+            </a:r>
+            <a:r>
+              <a:rPr lang="en-US" altLang="zh-TW" sz="1200" b="1" i="0" kern="1200" dirty="0">
+                <a:solidFill>
+                  <a:schemeClr val="tx1"/>
+                </a:solidFill>
+                <a:effectLst/>
+                <a:latin typeface="+mn-lt"/>
+                <a:ea typeface="+mn-ea"/>
+                <a:cs typeface="+mn-cs"/>
+              </a:rPr>
+              <a:t>2D</a:t>
+            </a:r>
+            <a:r>
+              <a:rPr lang="zh-TW" altLang="en-US" sz="1200" b="1" i="0" kern="1200" dirty="0">
+                <a:solidFill>
+                  <a:schemeClr val="tx1"/>
+                </a:solidFill>
+                <a:effectLst/>
+                <a:latin typeface="+mn-lt"/>
+                <a:ea typeface="+mn-ea"/>
+                <a:cs typeface="+mn-cs"/>
+              </a:rPr>
+              <a:t>動畫的角色，身高瘦長，穿著白色襯衫，打紅領帶，穿著深藍吊帶褲子，帶著雪人頭套，頭上有一個小小的三角形棕色帽子，眼睛是純藍色，黑色的三角形鼻子，紅色嘴巴，但是畫室失火了，臉上透漏著悲傷</a:t>
+            </a:r>
+            <a:endParaRPr lang="en-US" altLang="zh-TW" sz="1200" b="1" i="0" kern="1200" dirty="0">
+              <a:solidFill>
+                <a:schemeClr val="tx1"/>
+              </a:solidFill>
+              <a:effectLst/>
+              <a:latin typeface="+mn-lt"/>
+              <a:ea typeface="+mn-ea"/>
+              <a:cs typeface="+mn-cs"/>
+            </a:endParaRPr>
+          </a:p>
+          <a:p>
+            <a:endParaRPr lang="en-US" altLang="zh-TW" sz="1200" b="1" i="0" kern="1200" dirty="0">
+              <a:solidFill>
+                <a:schemeClr val="tx1"/>
+              </a:solidFill>
+              <a:effectLst/>
+              <a:latin typeface="+mn-lt"/>
+              <a:ea typeface="+mn-ea"/>
+              <a:cs typeface="+mn-cs"/>
+            </a:endParaRPr>
+          </a:p>
+          <a:p>
+            <a:r>
+              <a:rPr lang="zh-TW" altLang="en-US" dirty="0"/>
+              <a:t>準備報名參加一個重要的藝術比賽時</a:t>
+            </a:r>
+            <a:r>
+              <a:rPr lang="en-US" altLang="zh-TW" dirty="0"/>
+              <a:t>,</a:t>
+            </a:r>
+            <a:r>
+              <a:rPr lang="zh-TW" altLang="en-US" dirty="0"/>
+              <a:t>一個</a:t>
+            </a:r>
+            <a:r>
+              <a:rPr lang="zh-TW" altLang="en-US" b="1" dirty="0"/>
+              <a:t>意外</a:t>
+            </a:r>
+            <a:r>
+              <a:rPr lang="zh-TW" altLang="en-US" dirty="0"/>
+              <a:t>發生了 。我的畫室因為一場火災而被燒毀</a:t>
+            </a:r>
+            <a:r>
+              <a:rPr lang="en-US" altLang="zh-TW" dirty="0"/>
+              <a:t>,</a:t>
+            </a:r>
+            <a:r>
+              <a:rPr lang="zh-TW" altLang="en-US" dirty="0"/>
+              <a:t>所有的作品都化為灰燼。這個打擊幾乎讓我放棄了自己的夢想。</a:t>
+            </a:r>
+          </a:p>
+        </p:txBody>
+      </p:sp>
+      <p:sp>
+        <p:nvSpPr>
+          <p:cNvPr id="4" name="投影片編號版面配置區 3"/>
+          <p:cNvSpPr>
+            <a:spLocks noGrp="1"/>
+          </p:cNvSpPr>
+          <p:nvPr>
+            <p:ph type="sldNum" sz="quarter" idx="5"/>
+          </p:nvPr>
+        </p:nvSpPr>
+        <p:spPr/>
+        <p:txBody>
+          <a:bodyPr/>
+          <a:lstStyle/>
+          <a:p>
+            <a:fld id="{11565D60-3C2A-4B9D-8ECF-EF1600ABA2C5}" type="slidenum">
+              <a:rPr lang="zh-TW" altLang="en-US" smtClean="0"/>
+              <a:t>5</a:t>
+            </a:fld>
+            <a:endParaRPr lang="zh-TW" altLang="en-US"/>
+          </a:p>
+        </p:txBody>
+      </p:sp>
+    </p:spTree>
+    <p:extLst>
+      <p:ext uri="{BB962C8B-B14F-4D97-AF65-F5344CB8AC3E}">
+        <p14:creationId xmlns:p14="http://schemas.microsoft.com/office/powerpoint/2010/main" val="2388622521"/>
+      </p:ext>
+    </p:extLst>
+  </p:cSld>
+  <p:clrMapOvr>
+    <a:masterClrMapping/>
+  </p:clrMapOvr>
+</p:notes>
+</file>
+
+<file path=ppt/notesSlides/notesSlide5.xml><?xml version="1.0" encoding="utf-8"?>
+<p:notes xmlns:a="http://schemas.openxmlformats.org/drawingml/2006/main" xmlns:r="http://schemas.openxmlformats.org/officeDocument/2006/relationships" xmlns:p="http://schemas.openxmlformats.org/presentationml/2006/main">
+  <p:cSld>
+    <p:spTree>
+      <p:nvGrpSpPr>
+        <p:cNvPr id="1" name=""/>
+        <p:cNvGrpSpPr/>
+        <p:nvPr/>
+      </p:nvGrpSpPr>
+      <p:grpSpPr>
+        <a:xfrm>
+          <a:off x="0" y="0"/>
+          <a:ext cx="0" cy="0"/>
+          <a:chOff x="0" y="0"/>
+          <a:chExt cx="0" cy="0"/>
+        </a:xfrm>
+      </p:grpSpPr>
+      <p:sp>
+        <p:nvSpPr>
+          <p:cNvPr id="2" name="投影片影像版面配置區 1"/>
+          <p:cNvSpPr>
+            <a:spLocks noGrp="1" noRot="1" noChangeAspect="1"/>
+          </p:cNvSpPr>
+          <p:nvPr>
+            <p:ph type="sldImg"/>
+          </p:nvPr>
+        </p:nvSpPr>
+        <p:spPr/>
+      </p:sp>
+      <p:sp>
+        <p:nvSpPr>
+          <p:cNvPr id="3" name="備忘稿版面配置區 2"/>
+          <p:cNvSpPr>
+            <a:spLocks noGrp="1"/>
+          </p:cNvSpPr>
+          <p:nvPr>
+            <p:ph type="body" idx="1"/>
+          </p:nvPr>
+        </p:nvSpPr>
+        <p:spPr/>
+        <p:txBody>
+          <a:bodyPr/>
+          <a:lstStyle/>
+          <a:p>
+            <a:r>
+              <a:rPr lang="zh-TW" altLang="en-US" sz="1200" b="1" i="0" kern="1200" dirty="0">
+                <a:solidFill>
+                  <a:schemeClr val="tx1"/>
+                </a:solidFill>
+                <a:effectLst/>
+                <a:latin typeface="+mn-lt"/>
+                <a:ea typeface="+mn-ea"/>
+                <a:cs typeface="+mn-cs"/>
+              </a:rPr>
+              <a:t>一位日本</a:t>
+            </a:r>
+            <a:r>
+              <a:rPr lang="en-US" altLang="zh-TW" sz="1200" b="1" i="0" kern="1200" dirty="0">
+                <a:solidFill>
+                  <a:schemeClr val="tx1"/>
+                </a:solidFill>
+                <a:effectLst/>
+                <a:latin typeface="+mn-lt"/>
+                <a:ea typeface="+mn-ea"/>
+                <a:cs typeface="+mn-cs"/>
+              </a:rPr>
+              <a:t>2D</a:t>
+            </a:r>
+            <a:r>
+              <a:rPr lang="zh-TW" altLang="en-US" sz="1200" b="1" i="0" kern="1200" dirty="0">
+                <a:solidFill>
+                  <a:schemeClr val="tx1"/>
+                </a:solidFill>
+                <a:effectLst/>
+                <a:latin typeface="+mn-lt"/>
+                <a:ea typeface="+mn-ea"/>
+                <a:cs typeface="+mn-cs"/>
+              </a:rPr>
+              <a:t>動畫角色，身高瘦長，穿著白色襯衫，打紅領帶，穿著深藍吊帶褲子，帶著雪人頭套，頭上有一個小小的三角形棕色帽子，眼睛是純藍色，黑色的三角形鼻子，紅色嘴巴，雪人主角拿著自己的風景畫，面露開心，在他的面前有一位老人老師</a:t>
+            </a:r>
+            <a:endParaRPr lang="en-US" altLang="zh-TW" sz="1200" b="1" i="0" kern="1200" dirty="0">
+              <a:solidFill>
+                <a:schemeClr val="tx1"/>
+              </a:solidFill>
+              <a:effectLst/>
+              <a:latin typeface="+mn-lt"/>
+              <a:ea typeface="+mn-ea"/>
+              <a:cs typeface="+mn-cs"/>
+            </a:endParaRPr>
+          </a:p>
+          <a:p>
+            <a:endParaRPr lang="en-US" altLang="zh-TW" sz="1200" b="1" i="0" kern="1200" dirty="0">
+              <a:solidFill>
+                <a:schemeClr val="tx1"/>
+              </a:solidFill>
+              <a:effectLst/>
+              <a:latin typeface="+mn-lt"/>
+              <a:ea typeface="+mn-ea"/>
+              <a:cs typeface="+mn-cs"/>
+            </a:endParaRPr>
+          </a:p>
+          <a:p>
+            <a:r>
+              <a:rPr lang="zh-TW" altLang="en-US" dirty="0"/>
+              <a:t>當地報紙報導了我的故事</a:t>
+            </a:r>
+            <a:r>
+              <a:rPr lang="en-US" altLang="zh-TW" dirty="0"/>
+              <a:t>,</a:t>
+            </a:r>
+            <a:r>
+              <a:rPr lang="zh-TW" altLang="en-US" dirty="0"/>
+              <a:t>引起了一位畫家的注意。這位畫家被我的故事所打動</a:t>
+            </a:r>
+            <a:r>
+              <a:rPr lang="en-US" altLang="zh-TW" dirty="0"/>
+              <a:t>,</a:t>
+            </a:r>
+            <a:r>
+              <a:rPr lang="zh-TW" altLang="en-US" dirty="0"/>
+              <a:t>主動提出要收我為徒。</a:t>
+            </a:r>
+          </a:p>
+        </p:txBody>
+      </p:sp>
+      <p:sp>
+        <p:nvSpPr>
+          <p:cNvPr id="4" name="投影片編號版面配置區 3"/>
+          <p:cNvSpPr>
+            <a:spLocks noGrp="1"/>
+          </p:cNvSpPr>
+          <p:nvPr>
+            <p:ph type="sldNum" sz="quarter" idx="5"/>
+          </p:nvPr>
+        </p:nvSpPr>
+        <p:spPr/>
+        <p:txBody>
+          <a:bodyPr/>
+          <a:lstStyle/>
+          <a:p>
+            <a:fld id="{11565D60-3C2A-4B9D-8ECF-EF1600ABA2C5}" type="slidenum">
+              <a:rPr lang="zh-TW" altLang="en-US" smtClean="0"/>
+              <a:t>6</a:t>
+            </a:fld>
+            <a:endParaRPr lang="zh-TW" altLang="en-US"/>
+          </a:p>
+        </p:txBody>
+      </p:sp>
+    </p:spTree>
+    <p:extLst>
+      <p:ext uri="{BB962C8B-B14F-4D97-AF65-F5344CB8AC3E}">
+        <p14:creationId xmlns:p14="http://schemas.microsoft.com/office/powerpoint/2010/main" val="3430462355"/>
+      </p:ext>
+    </p:extLst>
+  </p:cSld>
+  <p:clrMapOvr>
+    <a:masterClrMapping/>
+  </p:clrMapOvr>
+</p:notes>
+</file>
+
+<file path=ppt/notesSlides/notesSlide6.xml><?xml version="1.0" encoding="utf-8"?>
+<p:notes xmlns:a="http://schemas.openxmlformats.org/drawingml/2006/main" xmlns:r="http://schemas.openxmlformats.org/officeDocument/2006/relationships" xmlns:p="http://schemas.openxmlformats.org/presentationml/2006/main">
+  <p:cSld>
+    <p:spTree>
+      <p:nvGrpSpPr>
+        <p:cNvPr id="1" name=""/>
+        <p:cNvGrpSpPr/>
+        <p:nvPr/>
+      </p:nvGrpSpPr>
+      <p:grpSpPr>
+        <a:xfrm>
+          <a:off x="0" y="0"/>
+          <a:ext cx="0" cy="0"/>
+          <a:chOff x="0" y="0"/>
+          <a:chExt cx="0" cy="0"/>
+        </a:xfrm>
+      </p:grpSpPr>
+      <p:sp>
+        <p:nvSpPr>
+          <p:cNvPr id="2" name="投影片影像版面配置區 1"/>
+          <p:cNvSpPr>
+            <a:spLocks noGrp="1" noRot="1" noChangeAspect="1"/>
+          </p:cNvSpPr>
+          <p:nvPr>
+            <p:ph type="sldImg"/>
+          </p:nvPr>
+        </p:nvSpPr>
+        <p:spPr/>
+      </p:sp>
+      <p:sp>
+        <p:nvSpPr>
+          <p:cNvPr id="3" name="備忘稿版面配置區 2"/>
+          <p:cNvSpPr>
+            <a:spLocks noGrp="1"/>
+          </p:cNvSpPr>
+          <p:nvPr>
+            <p:ph type="body" idx="1"/>
+          </p:nvPr>
+        </p:nvSpPr>
+        <p:spPr/>
+        <p:txBody>
+          <a:bodyPr/>
+          <a:lstStyle/>
+          <a:p>
+            <a:r>
+              <a:rPr lang="zh-TW" altLang="en-US" sz="1200" b="1" i="0" kern="1200" dirty="0">
+                <a:solidFill>
+                  <a:schemeClr val="tx1"/>
+                </a:solidFill>
+                <a:effectLst/>
+                <a:latin typeface="+mn-lt"/>
+                <a:ea typeface="+mn-ea"/>
+                <a:cs typeface="+mn-cs"/>
+              </a:rPr>
+              <a:t>一個動漫場景，一位日本</a:t>
+            </a:r>
+            <a:r>
+              <a:rPr lang="en-US" altLang="zh-TW" sz="1200" b="1" i="0" kern="1200" dirty="0">
+                <a:solidFill>
+                  <a:schemeClr val="tx1"/>
+                </a:solidFill>
+                <a:effectLst/>
+                <a:latin typeface="+mn-lt"/>
+                <a:ea typeface="+mn-ea"/>
+                <a:cs typeface="+mn-cs"/>
+              </a:rPr>
+              <a:t>2D</a:t>
+            </a:r>
+            <a:r>
+              <a:rPr lang="zh-TW" altLang="en-US" sz="1200" b="1" i="0" kern="1200" dirty="0">
+                <a:solidFill>
+                  <a:schemeClr val="tx1"/>
+                </a:solidFill>
+                <a:effectLst/>
+                <a:latin typeface="+mn-lt"/>
+                <a:ea typeface="+mn-ea"/>
+                <a:cs typeface="+mn-cs"/>
+              </a:rPr>
+              <a:t>動畫角色參加了畫展，身高瘦長，穿著白色襯衫，打紅領帶，穿著深藍吊帶褲子，帶著雪人頭套，頭上有一個小小的三角形棕色帽子，眼睛是純藍色，黑色的三角形鼻子，紅色嘴巴，背後許多人喝采，背景也需要是動畫風格</a:t>
+            </a:r>
+            <a:endParaRPr lang="en-US" altLang="zh-TW" sz="1200" b="1" i="0" kern="1200" dirty="0">
+              <a:solidFill>
+                <a:schemeClr val="tx1"/>
+              </a:solidFill>
+              <a:effectLst/>
+              <a:latin typeface="+mn-lt"/>
+              <a:ea typeface="+mn-ea"/>
+              <a:cs typeface="+mn-cs"/>
+            </a:endParaRPr>
+          </a:p>
+          <a:p>
+            <a:endParaRPr lang="en-US" altLang="zh-TW" sz="1200" b="1" i="0" kern="1200" dirty="0">
+              <a:solidFill>
+                <a:schemeClr val="tx1"/>
+              </a:solidFill>
+              <a:effectLst/>
+              <a:latin typeface="+mn-lt"/>
+              <a:ea typeface="+mn-ea"/>
+              <a:cs typeface="+mn-cs"/>
+            </a:endParaRPr>
+          </a:p>
+          <a:p>
+            <a:r>
+              <a:rPr lang="zh-TW" altLang="en-US" dirty="0"/>
+              <a:t>幾年後</a:t>
+            </a:r>
+            <a:r>
+              <a:rPr lang="en-US" altLang="zh-TW" dirty="0"/>
+              <a:t>,</a:t>
+            </a:r>
+            <a:r>
+              <a:rPr lang="zh-TW" altLang="en-US" dirty="0"/>
+              <a:t>成功舉辦了自己的首次個人畫展</a:t>
+            </a:r>
+            <a:r>
+              <a:rPr lang="en-US" altLang="zh-TW" dirty="0"/>
+              <a:t>,</a:t>
+            </a:r>
+            <a:r>
+              <a:rPr lang="zh-TW" altLang="en-US" dirty="0"/>
+              <a:t>獲得了評論界的一致好評。不僅實現了成為畫家的夢想</a:t>
+            </a:r>
+            <a:r>
+              <a:rPr lang="en-US" altLang="zh-TW" dirty="0"/>
+              <a:t>,</a:t>
+            </a:r>
+            <a:r>
+              <a:rPr lang="zh-TW" altLang="en-US" dirty="0"/>
+              <a:t>還在藝術界站穩了腳跟。</a:t>
+            </a:r>
+          </a:p>
+        </p:txBody>
+      </p:sp>
+      <p:sp>
+        <p:nvSpPr>
+          <p:cNvPr id="4" name="投影片編號版面配置區 3"/>
+          <p:cNvSpPr>
+            <a:spLocks noGrp="1"/>
+          </p:cNvSpPr>
+          <p:nvPr>
+            <p:ph type="sldNum" sz="quarter" idx="5"/>
+          </p:nvPr>
+        </p:nvSpPr>
+        <p:spPr/>
+        <p:txBody>
+          <a:bodyPr/>
+          <a:lstStyle/>
+          <a:p>
+            <a:fld id="{11565D60-3C2A-4B9D-8ECF-EF1600ABA2C5}" type="slidenum">
+              <a:rPr lang="zh-TW" altLang="en-US" smtClean="0"/>
+              <a:t>7</a:t>
+            </a:fld>
+            <a:endParaRPr lang="zh-TW" altLang="en-US"/>
+          </a:p>
+        </p:txBody>
+      </p:sp>
+    </p:spTree>
+    <p:extLst>
+      <p:ext uri="{BB962C8B-B14F-4D97-AF65-F5344CB8AC3E}">
+        <p14:creationId xmlns:p14="http://schemas.microsoft.com/office/powerpoint/2010/main" val="2341490301"/>
+      </p:ext>
+    </p:extLst>
+  </p:cSld>
+  <p:clrMapOvr>
+    <a:masterClrMapping/>
+  </p:clrMapOvr>
+</p:notes>
+</file>
+
+<file path=ppt/notesSlides/notesSlide7.xml><?xml version="1.0" encoding="utf-8"?>
+<p:notes xmlns:a="http://schemas.openxmlformats.org/drawingml/2006/main" xmlns:r="http://schemas.openxmlformats.org/officeDocument/2006/relationships" xmlns:p="http://schemas.openxmlformats.org/presentationml/2006/main">
+  <p:cSld>
+    <p:spTree>
+      <p:nvGrpSpPr>
+        <p:cNvPr id="1" name=""/>
+        <p:cNvGrpSpPr/>
+        <p:nvPr/>
+      </p:nvGrpSpPr>
+      <p:grpSpPr>
+        <a:xfrm>
+          <a:off x="0" y="0"/>
+          <a:ext cx="0" cy="0"/>
+          <a:chOff x="0" y="0"/>
+          <a:chExt cx="0" cy="0"/>
+        </a:xfrm>
+      </p:grpSpPr>
+      <p:sp>
+        <p:nvSpPr>
+          <p:cNvPr id="2" name="投影片影像版面配置區 1"/>
+          <p:cNvSpPr>
+            <a:spLocks noGrp="1" noRot="1" noChangeAspect="1"/>
+          </p:cNvSpPr>
+          <p:nvPr>
+            <p:ph type="sldImg"/>
+          </p:nvPr>
+        </p:nvSpPr>
+        <p:spPr/>
+      </p:sp>
+      <p:sp>
+        <p:nvSpPr>
+          <p:cNvPr id="3" name="備忘稿版面配置區 2"/>
+          <p:cNvSpPr>
+            <a:spLocks noGrp="1"/>
+          </p:cNvSpPr>
+          <p:nvPr>
+            <p:ph type="body" idx="1"/>
+          </p:nvPr>
+        </p:nvSpPr>
+        <p:spPr/>
+        <p:txBody>
+          <a:bodyPr/>
+          <a:lstStyle/>
+          <a:p>
+            <a:r>
+              <a:rPr lang="zh-TW" altLang="en-US" sz="1200" b="1" i="0" kern="1200" dirty="0">
+                <a:solidFill>
+                  <a:schemeClr val="tx1"/>
+                </a:solidFill>
+                <a:effectLst/>
+                <a:latin typeface="+mn-lt"/>
+                <a:ea typeface="+mn-ea"/>
+                <a:cs typeface="+mn-cs"/>
+              </a:rPr>
+              <a:t>一位日本</a:t>
+            </a:r>
+            <a:r>
+              <a:rPr lang="en-US" altLang="zh-TW" sz="1200" b="1" i="0" kern="1200" dirty="0">
+                <a:solidFill>
+                  <a:schemeClr val="tx1"/>
+                </a:solidFill>
+                <a:effectLst/>
+                <a:latin typeface="+mn-lt"/>
+                <a:ea typeface="+mn-ea"/>
+                <a:cs typeface="+mn-cs"/>
+              </a:rPr>
+              <a:t>2D</a:t>
+            </a:r>
+            <a:r>
+              <a:rPr lang="zh-TW" altLang="en-US" sz="1200" b="1" i="0" kern="1200" dirty="0">
+                <a:solidFill>
+                  <a:schemeClr val="tx1"/>
+                </a:solidFill>
+                <a:effectLst/>
+                <a:latin typeface="+mn-lt"/>
+                <a:ea typeface="+mn-ea"/>
+                <a:cs typeface="+mn-cs"/>
+              </a:rPr>
+              <a:t>動畫角色，身高瘦長，穿著白色襯衫，打紅領帶，穿著深藍吊帶褲子，帶著雪人頭套，頭上有一個小小的三角形棕色帽子，眼睛是純藍色，黑色的三角形鼻子，紅色的笑容，站在畫室中</a:t>
+            </a:r>
+            <a:endParaRPr lang="en-US" altLang="zh-TW" sz="1200" b="1" i="0" kern="1200" dirty="0">
+              <a:solidFill>
+                <a:schemeClr val="tx1"/>
+              </a:solidFill>
+              <a:effectLst/>
+              <a:latin typeface="+mn-lt"/>
+              <a:ea typeface="+mn-ea"/>
+              <a:cs typeface="+mn-cs"/>
+            </a:endParaRPr>
+          </a:p>
+          <a:p>
+            <a:endParaRPr lang="en-US" altLang="zh-TW" sz="1200" b="1" i="0" kern="1200" dirty="0">
+              <a:solidFill>
+                <a:schemeClr val="tx1"/>
+              </a:solidFill>
+              <a:effectLst/>
+              <a:latin typeface="+mn-lt"/>
+              <a:ea typeface="+mn-ea"/>
+              <a:cs typeface="+mn-cs"/>
+            </a:endParaRPr>
+          </a:p>
+          <a:p>
+            <a:r>
+              <a:rPr lang="zh-TW" altLang="en-US" dirty="0"/>
+              <a:t>這段經歷讓我明白</a:t>
+            </a:r>
+            <a:r>
+              <a:rPr lang="en-US" altLang="zh-TW" dirty="0"/>
+              <a:t>,</a:t>
+            </a:r>
+            <a:r>
+              <a:rPr lang="zh-TW" altLang="en-US" dirty="0"/>
+              <a:t>追求夢想的道路上總會遇到挫折</a:t>
+            </a:r>
+            <a:r>
+              <a:rPr lang="en-US" altLang="zh-TW" dirty="0"/>
+              <a:t>,</a:t>
+            </a:r>
+            <a:r>
+              <a:rPr lang="zh-TW" altLang="en-US" dirty="0"/>
+              <a:t>但只要保持熱情和毅力</a:t>
+            </a:r>
+            <a:r>
+              <a:rPr lang="en-US" altLang="zh-TW" dirty="0"/>
+              <a:t>,</a:t>
+            </a:r>
+            <a:r>
+              <a:rPr lang="zh-TW" altLang="en-US" dirty="0"/>
+              <a:t>就一定能找到屬於自己的成功之路。</a:t>
+            </a:r>
+          </a:p>
+        </p:txBody>
+      </p:sp>
+      <p:sp>
+        <p:nvSpPr>
+          <p:cNvPr id="4" name="投影片編號版面配置區 3"/>
+          <p:cNvSpPr>
+            <a:spLocks noGrp="1"/>
+          </p:cNvSpPr>
+          <p:nvPr>
+            <p:ph type="sldNum" sz="quarter" idx="5"/>
+          </p:nvPr>
+        </p:nvSpPr>
+        <p:spPr/>
+        <p:txBody>
+          <a:bodyPr/>
+          <a:lstStyle/>
+          <a:p>
+            <a:fld id="{11565D60-3C2A-4B9D-8ECF-EF1600ABA2C5}" type="slidenum">
+              <a:rPr lang="zh-TW" altLang="en-US" smtClean="0"/>
+              <a:t>8</a:t>
+            </a:fld>
+            <a:endParaRPr lang="zh-TW" altLang="en-US"/>
+          </a:p>
+        </p:txBody>
+      </p:sp>
+    </p:spTree>
+    <p:extLst>
+      <p:ext uri="{BB962C8B-B14F-4D97-AF65-F5344CB8AC3E}">
+        <p14:creationId xmlns:p14="http://schemas.microsoft.com/office/powerpoint/2010/main" val="234124086"/>
+      </p:ext>
+    </p:extLst>
+  </p:cSld>
+  <p:clrMapOvr>
+    <a:masterClrMapping/>
+  </p:clrMapOvr>
+</p:notes>
 </file>
 
 <file path=ppt/slideLayouts/slideLayout1.xml><?xml version="1.0" encoding="utf-8"?>
@@ -254,7 +1802,7 @@
           <a:p>
             <a:fld id="{C3C90D7E-32D6-4894-AE08-7BBB3E610FC9}" type="datetimeFigureOut">
               <a:rPr lang="zh-TW" altLang="en-US" smtClean="0"/>
-              <a:t>2024/9/16</a:t>
+              <a:t>2024/10/19</a:t>
             </a:fld>
             <a:endParaRPr lang="zh-TW" altLang="en-US"/>
           </a:p>
@@ -452,7 +2000,7 @@
           <a:p>
             <a:fld id="{C3C90D7E-32D6-4894-AE08-7BBB3E610FC9}" type="datetimeFigureOut">
               <a:rPr lang="zh-TW" altLang="en-US" smtClean="0"/>
-              <a:t>2024/9/16</a:t>
+              <a:t>2024/10/19</a:t>
             </a:fld>
             <a:endParaRPr lang="zh-TW" altLang="en-US"/>
           </a:p>
@@ -660,7 +2208,7 @@
           <a:p>
             <a:fld id="{C3C90D7E-32D6-4894-AE08-7BBB3E610FC9}" type="datetimeFigureOut">
               <a:rPr lang="zh-TW" altLang="en-US" smtClean="0"/>
-              <a:t>2024/9/16</a:t>
+              <a:t>2024/10/19</a:t>
             </a:fld>
             <a:endParaRPr lang="zh-TW" altLang="en-US"/>
           </a:p>
@@ -858,7 +2406,7 @@
           <a:p>
             <a:fld id="{C3C90D7E-32D6-4894-AE08-7BBB3E610FC9}" type="datetimeFigureOut">
               <a:rPr lang="zh-TW" altLang="en-US" smtClean="0"/>
-              <a:t>2024/9/16</a:t>
+              <a:t>2024/10/19</a:t>
             </a:fld>
             <a:endParaRPr lang="zh-TW" altLang="en-US"/>
           </a:p>
@@ -1133,7 +2681,7 @@
           <a:p>
             <a:fld id="{C3C90D7E-32D6-4894-AE08-7BBB3E610FC9}" type="datetimeFigureOut">
               <a:rPr lang="zh-TW" altLang="en-US" smtClean="0"/>
-              <a:t>2024/9/16</a:t>
+              <a:t>2024/10/19</a:t>
             </a:fld>
             <a:endParaRPr lang="zh-TW" altLang="en-US"/>
           </a:p>
@@ -1398,7 +2946,7 @@
           <a:p>
             <a:fld id="{C3C90D7E-32D6-4894-AE08-7BBB3E610FC9}" type="datetimeFigureOut">
               <a:rPr lang="zh-TW" altLang="en-US" smtClean="0"/>
-              <a:t>2024/9/16</a:t>
+              <a:t>2024/10/19</a:t>
             </a:fld>
             <a:endParaRPr lang="zh-TW" altLang="en-US"/>
           </a:p>
@@ -1810,7 +3358,7 @@
           <a:p>
             <a:fld id="{C3C90D7E-32D6-4894-AE08-7BBB3E610FC9}" type="datetimeFigureOut">
               <a:rPr lang="zh-TW" altLang="en-US" smtClean="0"/>
-              <a:t>2024/9/16</a:t>
+              <a:t>2024/10/19</a:t>
             </a:fld>
             <a:endParaRPr lang="zh-TW" altLang="en-US"/>
           </a:p>
@@ -1951,7 +3499,7 @@
           <a:p>
             <a:fld id="{C3C90D7E-32D6-4894-AE08-7BBB3E610FC9}" type="datetimeFigureOut">
               <a:rPr lang="zh-TW" altLang="en-US" smtClean="0"/>
-              <a:t>2024/9/16</a:t>
+              <a:t>2024/10/19</a:t>
             </a:fld>
             <a:endParaRPr lang="zh-TW" altLang="en-US"/>
           </a:p>
@@ -2064,7 +3612,7 @@
           <a:p>
             <a:fld id="{C3C90D7E-32D6-4894-AE08-7BBB3E610FC9}" type="datetimeFigureOut">
               <a:rPr lang="zh-TW" altLang="en-US" smtClean="0"/>
-              <a:t>2024/9/16</a:t>
+              <a:t>2024/10/19</a:t>
             </a:fld>
             <a:endParaRPr lang="zh-TW" altLang="en-US"/>
           </a:p>
@@ -2375,7 +3923,7 @@
           <a:p>
             <a:fld id="{C3C90D7E-32D6-4894-AE08-7BBB3E610FC9}" type="datetimeFigureOut">
               <a:rPr lang="zh-TW" altLang="en-US" smtClean="0"/>
-              <a:t>2024/9/16</a:t>
+              <a:t>2024/10/19</a:t>
             </a:fld>
             <a:endParaRPr lang="zh-TW" altLang="en-US"/>
           </a:p>
@@ -2663,7 +4211,7 @@
           <a:p>
             <a:fld id="{C3C90D7E-32D6-4894-AE08-7BBB3E610FC9}" type="datetimeFigureOut">
               <a:rPr lang="zh-TW" altLang="en-US" smtClean="0"/>
-              <a:t>2024/9/16</a:t>
+              <a:t>2024/10/19</a:t>
             </a:fld>
             <a:endParaRPr lang="zh-TW" altLang="en-US"/>
           </a:p>
@@ -2904,7 +4452,7 @@
           <a:p>
             <a:fld id="{C3C90D7E-32D6-4894-AE08-7BBB3E610FC9}" type="datetimeFigureOut">
               <a:rPr lang="zh-TW" altLang="en-US" smtClean="0"/>
-              <a:t>2024/9/16</a:t>
+              <a:t>2024/10/19</a:t>
             </a:fld>
             <a:endParaRPr lang="zh-TW" altLang="en-US"/>
           </a:p>
@@ -3307,6 +4855,17 @@
 <file path=ppt/slides/slide1.xml><?xml version="1.0" encoding="utf-8"?>
 <p:sld xmlns:a="http://schemas.openxmlformats.org/drawingml/2006/main" xmlns:r="http://schemas.openxmlformats.org/officeDocument/2006/relationships" xmlns:p="http://schemas.openxmlformats.org/presentationml/2006/main">
   <p:cSld>
+    <p:bg>
+      <p:bgPr>
+        <a:solidFill>
+          <a:schemeClr val="accent1">
+            <a:lumMod val="60000"/>
+            <a:lumOff val="40000"/>
+          </a:schemeClr>
+        </a:solidFill>
+        <a:effectLst/>
+      </p:bgPr>
+    </p:bg>
     <p:spTree>
       <p:nvGrpSpPr>
         <p:cNvPr id="1" name=""/>
@@ -3342,7 +4901,28 @@
           <a:bodyPr/>
           <a:lstStyle/>
           <a:p>
-            <a:endParaRPr lang="zh-TW" altLang="en-US"/>
+            <a:r>
+              <a:rPr lang="zh-TW" altLang="en-US" b="1" dirty="0">
+                <a:latin typeface="Arial" panose="020B0604020202020204" pitchFamily="34" charset="0"/>
+                <a:ea typeface="微軟正黑體" panose="020B0604030504040204" pitchFamily="34" charset="-120"/>
+              </a:rPr>
+              <a:t>自我介紹</a:t>
+            </a:r>
+            <a:r>
+              <a:rPr lang="zh-TW" altLang="en-US" dirty="0"/>
+              <a:t> </a:t>
+            </a:r>
+            <a:r>
+              <a:rPr lang="en-US" altLang="zh-TW" dirty="0">
+                <a:latin typeface="Arial" panose="020B0604020202020204" pitchFamily="34" charset="0"/>
+                <a:cs typeface="Arial" panose="020B0604020202020204" pitchFamily="34" charset="0"/>
+              </a:rPr>
+              <a:t>(NIZIMA LIVE)</a:t>
+            </a:r>
+            <a:endParaRPr lang="zh-TW" altLang="en-US" dirty="0">
+              <a:latin typeface="Arial" panose="020B0604020202020204" pitchFamily="34" charset="0"/>
+              <a:cs typeface="Arial" panose="020B0604020202020204" pitchFamily="34" charset="0"/>
+            </a:endParaRPr>
           </a:p>
         </p:txBody>
       </p:sp>
@@ -3367,7 +4947,7 @@
           <a:bodyPr/>
           <a:lstStyle/>
           <a:p>
-            <a:endParaRPr lang="zh-TW" altLang="en-US"/>
+            <a:endParaRPr lang="zh-TW" altLang="en-US" dirty="0"/>
           </a:p>
         </p:txBody>
       </p:sp>
@@ -3375,6 +4955,1084 @@
     <p:extLst>
       <p:ext uri="{BB962C8B-B14F-4D97-AF65-F5344CB8AC3E}">
         <p14:creationId xmlns:p14="http://schemas.microsoft.com/office/powerpoint/2010/main" val="1328321055"/>
+      </p:ext>
+    </p:extLst>
+  </p:cSld>
+  <p:clrMapOvr>
+    <a:masterClrMapping/>
+  </p:clrMapOvr>
+</p:sld>
+</file>
+
+<file path=ppt/slides/slide2.xml><?xml version="1.0" encoding="utf-8"?>
+<p:sld xmlns:a="http://schemas.openxmlformats.org/drawingml/2006/main" xmlns:r="http://schemas.openxmlformats.org/officeDocument/2006/relationships" xmlns:p="http://schemas.openxmlformats.org/presentationml/2006/main">
+  <p:cSld>
+    <p:bg>
+      <p:bgPr>
+        <a:solidFill>
+          <a:schemeClr val="accent1">
+            <a:lumMod val="60000"/>
+            <a:lumOff val="40000"/>
+          </a:schemeClr>
+        </a:solidFill>
+        <a:effectLst/>
+      </p:bgPr>
+    </p:bg>
+    <p:spTree>
+      <p:nvGrpSpPr>
+        <p:cNvPr id="1" name=""/>
+        <p:cNvGrpSpPr/>
+        <p:nvPr/>
+      </p:nvGrpSpPr>
+      <p:grpSpPr>
+        <a:xfrm>
+          <a:off x="0" y="0"/>
+          <a:ext cx="0" cy="0"/>
+          <a:chOff x="0" y="0"/>
+          <a:chExt cx="0" cy="0"/>
+        </a:xfrm>
+      </p:grpSpPr>
+      <p:sp>
+        <p:nvSpPr>
+          <p:cNvPr id="2" name="標題 1">
+            <a:extLst>
+              <a:ext uri="{FF2B5EF4-FFF2-40B4-BE49-F238E27FC236}">
+                <a16:creationId xmlns:a16="http://schemas.microsoft.com/office/drawing/2014/main" id="{32532283-9F93-4E44-8138-32796965361F}"/>
+              </a:ext>
+            </a:extLst>
+          </p:cNvPr>
+          <p:cNvSpPr>
+            <a:spLocks noGrp="1"/>
+          </p:cNvSpPr>
+          <p:nvPr>
+            <p:ph type="ctrTitle"/>
+          </p:nvPr>
+        </p:nvSpPr>
+        <p:spPr>
+          <a:xfrm>
+            <a:off x="334978" y="497941"/>
+            <a:ext cx="1816729" cy="776334"/>
+          </a:xfrm>
+        </p:spPr>
+        <p:txBody>
+          <a:bodyPr>
+            <a:normAutofit/>
+          </a:bodyPr>
+          <a:lstStyle/>
+          <a:p>
+            <a:r>
+              <a:rPr lang="en-US" altLang="zh-TW" sz="4000" dirty="0">
+                <a:latin typeface="Arial" panose="020B0604020202020204" pitchFamily="34" charset="0"/>
+                <a:ea typeface="微軟正黑體" panose="020B0604030504040204" pitchFamily="34" charset="-120"/>
+                <a:cs typeface="Arial" panose="020B0604020202020204" pitchFamily="34" charset="0"/>
+              </a:rPr>
+              <a:t>1.</a:t>
+            </a:r>
+            <a:r>
+              <a:rPr lang="zh-TW" altLang="en-US" sz="4000" b="1" dirty="0">
+                <a:latin typeface="Arial" panose="020B0604020202020204" pitchFamily="34" charset="0"/>
+                <a:ea typeface="微軟正黑體" panose="020B0604030504040204" pitchFamily="34" charset="-120"/>
+                <a:cs typeface="Arial" panose="020B0604020202020204" pitchFamily="34" charset="0"/>
+              </a:rPr>
+              <a:t>目標</a:t>
+            </a:r>
+          </a:p>
+        </p:txBody>
+      </p:sp>
+      <p:sp>
+        <p:nvSpPr>
+          <p:cNvPr id="3" name="副標題 2">
+            <a:extLst>
+              <a:ext uri="{FF2B5EF4-FFF2-40B4-BE49-F238E27FC236}">
+                <a16:creationId xmlns:a16="http://schemas.microsoft.com/office/drawing/2014/main" id="{8C946F38-524D-4B98-B9CB-80AEE57E455A}"/>
+              </a:ext>
+            </a:extLst>
+          </p:cNvPr>
+          <p:cNvSpPr>
+            <a:spLocks noGrp="1"/>
+          </p:cNvSpPr>
+          <p:nvPr>
+            <p:ph type="subTitle" idx="1"/>
+          </p:nvPr>
+        </p:nvSpPr>
+        <p:spPr>
+          <a:xfrm>
+            <a:off x="334978" y="1274275"/>
+            <a:ext cx="5761022" cy="5085784"/>
+          </a:xfrm>
+        </p:spPr>
+        <p:txBody>
+          <a:bodyPr/>
+          <a:lstStyle/>
+          <a:p>
+            <a:endParaRPr lang="zh-TW" altLang="en-US" dirty="0"/>
+          </a:p>
+        </p:txBody>
+      </p:sp>
+      <p:pic>
+        <p:nvPicPr>
+          <p:cNvPr id="5" name="圖片 4">
+            <a:extLst>
+              <a:ext uri="{FF2B5EF4-FFF2-40B4-BE49-F238E27FC236}">
+                <a16:creationId xmlns:a16="http://schemas.microsoft.com/office/drawing/2014/main" id="{39E820FA-0A8D-492C-A0A1-C5395E55872E}"/>
+              </a:ext>
+            </a:extLst>
+          </p:cNvPr>
+          <p:cNvPicPr>
+            <a:picLocks noChangeAspect="1"/>
+          </p:cNvPicPr>
+          <p:nvPr/>
+        </p:nvPicPr>
+        <p:blipFill>
+          <a:blip r:embed="rId3">
+            <a:extLst>
+              <a:ext uri="{28A0092B-C50C-407E-A947-70E740481C1C}">
+                <a14:useLocalDpi xmlns:a14="http://schemas.microsoft.com/office/drawing/2010/main" val="0"/>
+              </a:ext>
+            </a:extLst>
+          </a:blip>
+          <a:stretch>
+            <a:fillRect/>
+          </a:stretch>
+        </p:blipFill>
+        <p:spPr>
+          <a:xfrm>
+            <a:off x="1050202" y="1390838"/>
+            <a:ext cx="4852658" cy="4852658"/>
+          </a:xfrm>
+          <a:prstGeom prst="rect">
+            <a:avLst/>
+          </a:prstGeom>
+        </p:spPr>
+      </p:pic>
+    </p:spTree>
+    <p:extLst>
+      <p:ext uri="{BB962C8B-B14F-4D97-AF65-F5344CB8AC3E}">
+        <p14:creationId xmlns:p14="http://schemas.microsoft.com/office/powerpoint/2010/main" val="2790339478"/>
+      </p:ext>
+    </p:extLst>
+  </p:cSld>
+  <p:clrMapOvr>
+    <a:masterClrMapping/>
+  </p:clrMapOvr>
+</p:sld>
+</file>
+
+<file path=ppt/slides/slide3.xml><?xml version="1.0" encoding="utf-8"?>
+<p:sld xmlns:a="http://schemas.openxmlformats.org/drawingml/2006/main" xmlns:r="http://schemas.openxmlformats.org/officeDocument/2006/relationships" xmlns:p="http://schemas.openxmlformats.org/presentationml/2006/main">
+  <p:cSld>
+    <p:bg>
+      <p:bgPr>
+        <a:solidFill>
+          <a:schemeClr val="accent1">
+            <a:lumMod val="60000"/>
+            <a:lumOff val="40000"/>
+          </a:schemeClr>
+        </a:solidFill>
+        <a:effectLst/>
+      </p:bgPr>
+    </p:bg>
+    <p:spTree>
+      <p:nvGrpSpPr>
+        <p:cNvPr id="1" name=""/>
+        <p:cNvGrpSpPr/>
+        <p:nvPr/>
+      </p:nvGrpSpPr>
+      <p:grpSpPr>
+        <a:xfrm>
+          <a:off x="0" y="0"/>
+          <a:ext cx="0" cy="0"/>
+          <a:chOff x="0" y="0"/>
+          <a:chExt cx="0" cy="0"/>
+        </a:xfrm>
+      </p:grpSpPr>
+      <p:sp>
+        <p:nvSpPr>
+          <p:cNvPr id="2" name="標題 1">
+            <a:extLst>
+              <a:ext uri="{FF2B5EF4-FFF2-40B4-BE49-F238E27FC236}">
+                <a16:creationId xmlns:a16="http://schemas.microsoft.com/office/drawing/2014/main" id="{32532283-9F93-4E44-8138-32796965361F}"/>
+              </a:ext>
+            </a:extLst>
+          </p:cNvPr>
+          <p:cNvSpPr>
+            <a:spLocks noGrp="1"/>
+          </p:cNvSpPr>
+          <p:nvPr>
+            <p:ph type="ctrTitle"/>
+          </p:nvPr>
+        </p:nvSpPr>
+        <p:spPr>
+          <a:xfrm>
+            <a:off x="334978" y="497941"/>
+            <a:ext cx="1816729" cy="776334"/>
+          </a:xfrm>
+        </p:spPr>
+        <p:txBody>
+          <a:bodyPr>
+            <a:normAutofit/>
+          </a:bodyPr>
+          <a:lstStyle/>
+          <a:p>
+            <a:r>
+              <a:rPr lang="en-US" altLang="zh-TW" sz="4000" dirty="0">
+                <a:latin typeface="Arial" panose="020B0604020202020204" pitchFamily="34" charset="0"/>
+                <a:ea typeface="微軟正黑體" panose="020B0604030504040204" pitchFamily="34" charset="-120"/>
+                <a:cs typeface="Arial" panose="020B0604020202020204" pitchFamily="34" charset="0"/>
+              </a:rPr>
+              <a:t>2.</a:t>
+            </a:r>
+            <a:r>
+              <a:rPr lang="zh-TW" altLang="en-US" sz="4000" b="1" dirty="0">
+                <a:latin typeface="Arial" panose="020B0604020202020204" pitchFamily="34" charset="0"/>
+                <a:ea typeface="微軟正黑體" panose="020B0604030504040204" pitchFamily="34" charset="-120"/>
+                <a:cs typeface="Arial" panose="020B0604020202020204" pitchFamily="34" charset="0"/>
+              </a:rPr>
+              <a:t>阻礙</a:t>
+            </a:r>
+          </a:p>
+        </p:txBody>
+      </p:sp>
+      <p:sp>
+        <p:nvSpPr>
+          <p:cNvPr id="3" name="副標題 2">
+            <a:extLst>
+              <a:ext uri="{FF2B5EF4-FFF2-40B4-BE49-F238E27FC236}">
+                <a16:creationId xmlns:a16="http://schemas.microsoft.com/office/drawing/2014/main" id="{8C946F38-524D-4B98-B9CB-80AEE57E455A}"/>
+              </a:ext>
+            </a:extLst>
+          </p:cNvPr>
+          <p:cNvSpPr>
+            <a:spLocks noGrp="1"/>
+          </p:cNvSpPr>
+          <p:nvPr>
+            <p:ph type="subTitle" idx="1"/>
+          </p:nvPr>
+        </p:nvSpPr>
+        <p:spPr>
+          <a:xfrm>
+            <a:off x="334978" y="1274275"/>
+            <a:ext cx="5761022" cy="5085784"/>
+          </a:xfrm>
+        </p:spPr>
+        <p:txBody>
+          <a:bodyPr/>
+          <a:lstStyle/>
+          <a:p>
+            <a:endParaRPr lang="zh-TW" altLang="en-US" dirty="0"/>
+          </a:p>
+        </p:txBody>
+      </p:sp>
+      <p:pic>
+        <p:nvPicPr>
+          <p:cNvPr id="6" name="圖片 5">
+            <a:extLst>
+              <a:ext uri="{FF2B5EF4-FFF2-40B4-BE49-F238E27FC236}">
+                <a16:creationId xmlns:a16="http://schemas.microsoft.com/office/drawing/2014/main" id="{C17A5F08-06E0-4C2A-A5E9-32F5F51C0921}"/>
+              </a:ext>
+            </a:extLst>
+          </p:cNvPr>
+          <p:cNvPicPr>
+            <a:picLocks noChangeAspect="1"/>
+          </p:cNvPicPr>
+          <p:nvPr/>
+        </p:nvPicPr>
+        <p:blipFill>
+          <a:blip r:embed="rId3">
+            <a:extLst>
+              <a:ext uri="{28A0092B-C50C-407E-A947-70E740481C1C}">
+                <a14:useLocalDpi xmlns:a14="http://schemas.microsoft.com/office/drawing/2010/main" val="0"/>
+              </a:ext>
+            </a:extLst>
+          </a:blip>
+          <a:stretch>
+            <a:fillRect/>
+          </a:stretch>
+        </p:blipFill>
+        <p:spPr>
+          <a:xfrm>
+            <a:off x="1051200" y="1390767"/>
+            <a:ext cx="4852800" cy="4852800"/>
+          </a:xfrm>
+          <a:prstGeom prst="rect">
+            <a:avLst/>
+          </a:prstGeom>
+        </p:spPr>
+      </p:pic>
+    </p:spTree>
+    <p:extLst>
+      <p:ext uri="{BB962C8B-B14F-4D97-AF65-F5344CB8AC3E}">
+        <p14:creationId xmlns:p14="http://schemas.microsoft.com/office/powerpoint/2010/main" val="3585117424"/>
+      </p:ext>
+    </p:extLst>
+  </p:cSld>
+  <p:clrMapOvr>
+    <a:masterClrMapping/>
+  </p:clrMapOvr>
+</p:sld>
+</file>
+
+<file path=ppt/slides/slide4.xml><?xml version="1.0" encoding="utf-8"?>
+<p:sld xmlns:a="http://schemas.openxmlformats.org/drawingml/2006/main" xmlns:r="http://schemas.openxmlformats.org/officeDocument/2006/relationships" xmlns:p="http://schemas.openxmlformats.org/presentationml/2006/main">
+  <p:cSld>
+    <p:bg>
+      <p:bgPr>
+        <a:solidFill>
+          <a:schemeClr val="accent1">
+            <a:lumMod val="60000"/>
+            <a:lumOff val="40000"/>
+          </a:schemeClr>
+        </a:solidFill>
+        <a:effectLst/>
+      </p:bgPr>
+    </p:bg>
+    <p:spTree>
+      <p:nvGrpSpPr>
+        <p:cNvPr id="1" name=""/>
+        <p:cNvGrpSpPr/>
+        <p:nvPr/>
+      </p:nvGrpSpPr>
+      <p:grpSpPr>
+        <a:xfrm>
+          <a:off x="0" y="0"/>
+          <a:ext cx="0" cy="0"/>
+          <a:chOff x="0" y="0"/>
+          <a:chExt cx="0" cy="0"/>
+        </a:xfrm>
+      </p:grpSpPr>
+      <p:sp>
+        <p:nvSpPr>
+          <p:cNvPr id="2" name="標題 1">
+            <a:extLst>
+              <a:ext uri="{FF2B5EF4-FFF2-40B4-BE49-F238E27FC236}">
+                <a16:creationId xmlns:a16="http://schemas.microsoft.com/office/drawing/2014/main" id="{32532283-9F93-4E44-8138-32796965361F}"/>
+              </a:ext>
+            </a:extLst>
+          </p:cNvPr>
+          <p:cNvSpPr>
+            <a:spLocks noGrp="1"/>
+          </p:cNvSpPr>
+          <p:nvPr>
+            <p:ph type="ctrTitle"/>
+          </p:nvPr>
+        </p:nvSpPr>
+        <p:spPr>
+          <a:xfrm>
+            <a:off x="334978" y="497941"/>
+            <a:ext cx="1816729" cy="776334"/>
+          </a:xfrm>
+        </p:spPr>
+        <p:txBody>
+          <a:bodyPr>
+            <a:normAutofit/>
+          </a:bodyPr>
+          <a:lstStyle/>
+          <a:p>
+            <a:r>
+              <a:rPr lang="en-US" altLang="zh-TW" sz="4000" dirty="0">
+                <a:latin typeface="Arial" panose="020B0604020202020204" pitchFamily="34" charset="0"/>
+                <a:ea typeface="微軟正黑體" panose="020B0604030504040204" pitchFamily="34" charset="-120"/>
+                <a:cs typeface="Arial" panose="020B0604020202020204" pitchFamily="34" charset="0"/>
+              </a:rPr>
+              <a:t>3.</a:t>
+            </a:r>
+            <a:r>
+              <a:rPr lang="zh-TW" altLang="en-US" sz="4000" b="1" dirty="0">
+                <a:latin typeface="Arial" panose="020B0604020202020204" pitchFamily="34" charset="0"/>
+                <a:ea typeface="微軟正黑體" panose="020B0604030504040204" pitchFamily="34" charset="-120"/>
+                <a:cs typeface="Arial" panose="020B0604020202020204" pitchFamily="34" charset="0"/>
+              </a:rPr>
+              <a:t>努力</a:t>
+            </a:r>
+          </a:p>
+        </p:txBody>
+      </p:sp>
+      <p:sp>
+        <p:nvSpPr>
+          <p:cNvPr id="3" name="副標題 2">
+            <a:extLst>
+              <a:ext uri="{FF2B5EF4-FFF2-40B4-BE49-F238E27FC236}">
+                <a16:creationId xmlns:a16="http://schemas.microsoft.com/office/drawing/2014/main" id="{8C946F38-524D-4B98-B9CB-80AEE57E455A}"/>
+              </a:ext>
+            </a:extLst>
+          </p:cNvPr>
+          <p:cNvSpPr>
+            <a:spLocks noGrp="1"/>
+          </p:cNvSpPr>
+          <p:nvPr>
+            <p:ph type="subTitle" idx="1"/>
+          </p:nvPr>
+        </p:nvSpPr>
+        <p:spPr>
+          <a:xfrm>
+            <a:off x="334978" y="1274275"/>
+            <a:ext cx="5761022" cy="5085784"/>
+          </a:xfrm>
+        </p:spPr>
+        <p:txBody>
+          <a:bodyPr/>
+          <a:lstStyle/>
+          <a:p>
+            <a:endParaRPr lang="zh-TW" altLang="en-US" dirty="0"/>
+          </a:p>
+        </p:txBody>
+      </p:sp>
+      <p:pic>
+        <p:nvPicPr>
+          <p:cNvPr id="6" name="圖片 5">
+            <a:extLst>
+              <a:ext uri="{FF2B5EF4-FFF2-40B4-BE49-F238E27FC236}">
+                <a16:creationId xmlns:a16="http://schemas.microsoft.com/office/drawing/2014/main" id="{C17A5F08-06E0-4C2A-A5E9-32F5F51C0921}"/>
+              </a:ext>
+            </a:extLst>
+          </p:cNvPr>
+          <p:cNvPicPr>
+            <a:picLocks noChangeAspect="1"/>
+          </p:cNvPicPr>
+          <p:nvPr/>
+        </p:nvPicPr>
+        <p:blipFill>
+          <a:blip r:embed="rId3">
+            <a:extLst>
+              <a:ext uri="{28A0092B-C50C-407E-A947-70E740481C1C}">
+                <a14:useLocalDpi xmlns:a14="http://schemas.microsoft.com/office/drawing/2010/main" val="0"/>
+              </a:ext>
+            </a:extLst>
+          </a:blip>
+          <a:stretch>
+            <a:fillRect/>
+          </a:stretch>
+        </p:blipFill>
+        <p:spPr>
+          <a:xfrm>
+            <a:off x="1051200" y="1390767"/>
+            <a:ext cx="4852800" cy="4852800"/>
+          </a:xfrm>
+          <a:prstGeom prst="rect">
+            <a:avLst/>
+          </a:prstGeom>
+        </p:spPr>
+      </p:pic>
+    </p:spTree>
+    <p:extLst>
+      <p:ext uri="{BB962C8B-B14F-4D97-AF65-F5344CB8AC3E}">
+        <p14:creationId xmlns:p14="http://schemas.microsoft.com/office/powerpoint/2010/main" val="2301464828"/>
+      </p:ext>
+    </p:extLst>
+  </p:cSld>
+  <p:clrMapOvr>
+    <a:masterClrMapping/>
+  </p:clrMapOvr>
+</p:sld>
+</file>
+
+<file path=ppt/slides/slide5.xml><?xml version="1.0" encoding="utf-8"?>
+<p:sld xmlns:a="http://schemas.openxmlformats.org/drawingml/2006/main" xmlns:r="http://schemas.openxmlformats.org/officeDocument/2006/relationships" xmlns:p="http://schemas.openxmlformats.org/presentationml/2006/main">
+  <p:cSld>
+    <p:bg>
+      <p:bgPr>
+        <a:solidFill>
+          <a:schemeClr val="accent1">
+            <a:lumMod val="60000"/>
+            <a:lumOff val="40000"/>
+          </a:schemeClr>
+        </a:solidFill>
+        <a:effectLst/>
+      </p:bgPr>
+    </p:bg>
+    <p:spTree>
+      <p:nvGrpSpPr>
+        <p:cNvPr id="1" name=""/>
+        <p:cNvGrpSpPr/>
+        <p:nvPr/>
+      </p:nvGrpSpPr>
+      <p:grpSpPr>
+        <a:xfrm>
+          <a:off x="0" y="0"/>
+          <a:ext cx="0" cy="0"/>
+          <a:chOff x="0" y="0"/>
+          <a:chExt cx="0" cy="0"/>
+        </a:xfrm>
+      </p:grpSpPr>
+      <p:sp>
+        <p:nvSpPr>
+          <p:cNvPr id="2" name="標題 1">
+            <a:extLst>
+              <a:ext uri="{FF2B5EF4-FFF2-40B4-BE49-F238E27FC236}">
+                <a16:creationId xmlns:a16="http://schemas.microsoft.com/office/drawing/2014/main" id="{32532283-9F93-4E44-8138-32796965361F}"/>
+              </a:ext>
+            </a:extLst>
+          </p:cNvPr>
+          <p:cNvSpPr>
+            <a:spLocks noGrp="1"/>
+          </p:cNvSpPr>
+          <p:nvPr>
+            <p:ph type="ctrTitle"/>
+          </p:nvPr>
+        </p:nvSpPr>
+        <p:spPr>
+          <a:xfrm>
+            <a:off x="334978" y="497941"/>
+            <a:ext cx="1816729" cy="776334"/>
+          </a:xfrm>
+        </p:spPr>
+        <p:txBody>
+          <a:bodyPr>
+            <a:normAutofit/>
+          </a:bodyPr>
+          <a:lstStyle/>
+          <a:p>
+            <a:r>
+              <a:rPr lang="en-US" altLang="zh-TW" sz="4000" dirty="0">
+                <a:latin typeface="Arial" panose="020B0604020202020204" pitchFamily="34" charset="0"/>
+                <a:ea typeface="微軟正黑體" panose="020B0604030504040204" pitchFamily="34" charset="-120"/>
+                <a:cs typeface="Arial" panose="020B0604020202020204" pitchFamily="34" charset="0"/>
+              </a:rPr>
+              <a:t>4.</a:t>
+            </a:r>
+            <a:r>
+              <a:rPr lang="zh-TW" altLang="en-US" sz="4000" b="1" dirty="0">
+                <a:latin typeface="Arial" panose="020B0604020202020204" pitchFamily="34" charset="0"/>
+                <a:ea typeface="微軟正黑體" panose="020B0604030504040204" pitchFamily="34" charset="-120"/>
+                <a:cs typeface="Arial" panose="020B0604020202020204" pitchFamily="34" charset="0"/>
+              </a:rPr>
+              <a:t>結果</a:t>
+            </a:r>
+          </a:p>
+        </p:txBody>
+      </p:sp>
+      <p:sp>
+        <p:nvSpPr>
+          <p:cNvPr id="3" name="副標題 2">
+            <a:extLst>
+              <a:ext uri="{FF2B5EF4-FFF2-40B4-BE49-F238E27FC236}">
+                <a16:creationId xmlns:a16="http://schemas.microsoft.com/office/drawing/2014/main" id="{8C946F38-524D-4B98-B9CB-80AEE57E455A}"/>
+              </a:ext>
+            </a:extLst>
+          </p:cNvPr>
+          <p:cNvSpPr>
+            <a:spLocks noGrp="1"/>
+          </p:cNvSpPr>
+          <p:nvPr>
+            <p:ph type="subTitle" idx="1"/>
+          </p:nvPr>
+        </p:nvSpPr>
+        <p:spPr>
+          <a:xfrm>
+            <a:off x="334978" y="1274275"/>
+            <a:ext cx="5761022" cy="5085784"/>
+          </a:xfrm>
+        </p:spPr>
+        <p:txBody>
+          <a:bodyPr/>
+          <a:lstStyle/>
+          <a:p>
+            <a:endParaRPr lang="zh-TW" altLang="en-US" dirty="0"/>
+          </a:p>
+        </p:txBody>
+      </p:sp>
+      <p:pic>
+        <p:nvPicPr>
+          <p:cNvPr id="6" name="圖片 5">
+            <a:extLst>
+              <a:ext uri="{FF2B5EF4-FFF2-40B4-BE49-F238E27FC236}">
+                <a16:creationId xmlns:a16="http://schemas.microsoft.com/office/drawing/2014/main" id="{C17A5F08-06E0-4C2A-A5E9-32F5F51C0921}"/>
+              </a:ext>
+            </a:extLst>
+          </p:cNvPr>
+          <p:cNvPicPr>
+            <a:picLocks noChangeAspect="1"/>
+          </p:cNvPicPr>
+          <p:nvPr/>
+        </p:nvPicPr>
+        <p:blipFill>
+          <a:blip r:embed="rId3">
+            <a:extLst>
+              <a:ext uri="{28A0092B-C50C-407E-A947-70E740481C1C}">
+                <a14:useLocalDpi xmlns:a14="http://schemas.microsoft.com/office/drawing/2010/main" val="0"/>
+              </a:ext>
+            </a:extLst>
+          </a:blip>
+          <a:stretch>
+            <a:fillRect/>
+          </a:stretch>
+        </p:blipFill>
+        <p:spPr>
+          <a:xfrm>
+            <a:off x="1051200" y="1390767"/>
+            <a:ext cx="4852800" cy="4852800"/>
+          </a:xfrm>
+          <a:prstGeom prst="rect">
+            <a:avLst/>
+          </a:prstGeom>
+        </p:spPr>
+      </p:pic>
+    </p:spTree>
+    <p:extLst>
+      <p:ext uri="{BB962C8B-B14F-4D97-AF65-F5344CB8AC3E}">
+        <p14:creationId xmlns:p14="http://schemas.microsoft.com/office/powerpoint/2010/main" val="2111683169"/>
+      </p:ext>
+    </p:extLst>
+  </p:cSld>
+  <p:clrMapOvr>
+    <a:masterClrMapping/>
+  </p:clrMapOvr>
+</p:sld>
+</file>
+
+<file path=ppt/slides/slide6.xml><?xml version="1.0" encoding="utf-8"?>
+<p:sld xmlns:a="http://schemas.openxmlformats.org/drawingml/2006/main" xmlns:r="http://schemas.openxmlformats.org/officeDocument/2006/relationships" xmlns:p="http://schemas.openxmlformats.org/presentationml/2006/main">
+  <p:cSld>
+    <p:bg>
+      <p:bgPr>
+        <a:solidFill>
+          <a:schemeClr val="accent1">
+            <a:lumMod val="60000"/>
+            <a:lumOff val="40000"/>
+          </a:schemeClr>
+        </a:solidFill>
+        <a:effectLst/>
+      </p:bgPr>
+    </p:bg>
+    <p:spTree>
+      <p:nvGrpSpPr>
+        <p:cNvPr id="1" name=""/>
+        <p:cNvGrpSpPr/>
+        <p:nvPr/>
+      </p:nvGrpSpPr>
+      <p:grpSpPr>
+        <a:xfrm>
+          <a:off x="0" y="0"/>
+          <a:ext cx="0" cy="0"/>
+          <a:chOff x="0" y="0"/>
+          <a:chExt cx="0" cy="0"/>
+        </a:xfrm>
+      </p:grpSpPr>
+      <p:sp>
+        <p:nvSpPr>
+          <p:cNvPr id="2" name="標題 1">
+            <a:extLst>
+              <a:ext uri="{FF2B5EF4-FFF2-40B4-BE49-F238E27FC236}">
+                <a16:creationId xmlns:a16="http://schemas.microsoft.com/office/drawing/2014/main" id="{32532283-9F93-4E44-8138-32796965361F}"/>
+              </a:ext>
+            </a:extLst>
+          </p:cNvPr>
+          <p:cNvSpPr>
+            <a:spLocks noGrp="1"/>
+          </p:cNvSpPr>
+          <p:nvPr>
+            <p:ph type="ctrTitle"/>
+          </p:nvPr>
+        </p:nvSpPr>
+        <p:spPr>
+          <a:xfrm>
+            <a:off x="334978" y="497941"/>
+            <a:ext cx="1816729" cy="776334"/>
+          </a:xfrm>
+        </p:spPr>
+        <p:txBody>
+          <a:bodyPr>
+            <a:normAutofit/>
+          </a:bodyPr>
+          <a:lstStyle/>
+          <a:p>
+            <a:r>
+              <a:rPr lang="en-US" altLang="zh-TW" sz="4000" dirty="0">
+                <a:latin typeface="Arial" panose="020B0604020202020204" pitchFamily="34" charset="0"/>
+                <a:ea typeface="微軟正黑體" panose="020B0604030504040204" pitchFamily="34" charset="-120"/>
+                <a:cs typeface="Arial" panose="020B0604020202020204" pitchFamily="34" charset="0"/>
+              </a:rPr>
+              <a:t>5.</a:t>
+            </a:r>
+            <a:r>
+              <a:rPr lang="zh-TW" altLang="en-US" sz="4000" b="1" dirty="0">
+                <a:latin typeface="Arial" panose="020B0604020202020204" pitchFamily="34" charset="0"/>
+                <a:ea typeface="微軟正黑體" panose="020B0604030504040204" pitchFamily="34" charset="-120"/>
+                <a:cs typeface="Arial" panose="020B0604020202020204" pitchFamily="34" charset="0"/>
+              </a:rPr>
+              <a:t>意外</a:t>
+            </a:r>
+          </a:p>
+        </p:txBody>
+      </p:sp>
+      <p:sp>
+        <p:nvSpPr>
+          <p:cNvPr id="3" name="副標題 2">
+            <a:extLst>
+              <a:ext uri="{FF2B5EF4-FFF2-40B4-BE49-F238E27FC236}">
+                <a16:creationId xmlns:a16="http://schemas.microsoft.com/office/drawing/2014/main" id="{8C946F38-524D-4B98-B9CB-80AEE57E455A}"/>
+              </a:ext>
+            </a:extLst>
+          </p:cNvPr>
+          <p:cNvSpPr>
+            <a:spLocks noGrp="1"/>
+          </p:cNvSpPr>
+          <p:nvPr>
+            <p:ph type="subTitle" idx="1"/>
+          </p:nvPr>
+        </p:nvSpPr>
+        <p:spPr>
+          <a:xfrm>
+            <a:off x="334978" y="1274275"/>
+            <a:ext cx="5761022" cy="5085784"/>
+          </a:xfrm>
+        </p:spPr>
+        <p:txBody>
+          <a:bodyPr/>
+          <a:lstStyle/>
+          <a:p>
+            <a:endParaRPr lang="zh-TW" altLang="en-US" dirty="0"/>
+          </a:p>
+        </p:txBody>
+      </p:sp>
+      <p:pic>
+        <p:nvPicPr>
+          <p:cNvPr id="6" name="圖片 5">
+            <a:extLst>
+              <a:ext uri="{FF2B5EF4-FFF2-40B4-BE49-F238E27FC236}">
+                <a16:creationId xmlns:a16="http://schemas.microsoft.com/office/drawing/2014/main" id="{C17A5F08-06E0-4C2A-A5E9-32F5F51C0921}"/>
+              </a:ext>
+            </a:extLst>
+          </p:cNvPr>
+          <p:cNvPicPr>
+            <a:picLocks noChangeAspect="1"/>
+          </p:cNvPicPr>
+          <p:nvPr/>
+        </p:nvPicPr>
+        <p:blipFill>
+          <a:blip r:embed="rId3">
+            <a:extLst>
+              <a:ext uri="{28A0092B-C50C-407E-A947-70E740481C1C}">
+                <a14:useLocalDpi xmlns:a14="http://schemas.microsoft.com/office/drawing/2010/main" val="0"/>
+              </a:ext>
+            </a:extLst>
+          </a:blip>
+          <a:stretch>
+            <a:fillRect/>
+          </a:stretch>
+        </p:blipFill>
+        <p:spPr>
+          <a:xfrm>
+            <a:off x="1051200" y="1390767"/>
+            <a:ext cx="4852800" cy="4852800"/>
+          </a:xfrm>
+          <a:prstGeom prst="rect">
+            <a:avLst/>
+          </a:prstGeom>
+        </p:spPr>
+      </p:pic>
+    </p:spTree>
+    <p:extLst>
+      <p:ext uri="{BB962C8B-B14F-4D97-AF65-F5344CB8AC3E}">
+        <p14:creationId xmlns:p14="http://schemas.microsoft.com/office/powerpoint/2010/main" val="854799361"/>
+      </p:ext>
+    </p:extLst>
+  </p:cSld>
+  <p:clrMapOvr>
+    <a:masterClrMapping/>
+  </p:clrMapOvr>
+</p:sld>
+</file>
+
+<file path=ppt/slides/slide7.xml><?xml version="1.0" encoding="utf-8"?>
+<p:sld xmlns:a="http://schemas.openxmlformats.org/drawingml/2006/main" xmlns:r="http://schemas.openxmlformats.org/officeDocument/2006/relationships" xmlns:p="http://schemas.openxmlformats.org/presentationml/2006/main">
+  <p:cSld>
+    <p:bg>
+      <p:bgPr>
+        <a:solidFill>
+          <a:schemeClr val="accent1">
+            <a:lumMod val="60000"/>
+            <a:lumOff val="40000"/>
+          </a:schemeClr>
+        </a:solidFill>
+        <a:effectLst/>
+      </p:bgPr>
+    </p:bg>
+    <p:spTree>
+      <p:nvGrpSpPr>
+        <p:cNvPr id="1" name=""/>
+        <p:cNvGrpSpPr/>
+        <p:nvPr/>
+      </p:nvGrpSpPr>
+      <p:grpSpPr>
+        <a:xfrm>
+          <a:off x="0" y="0"/>
+          <a:ext cx="0" cy="0"/>
+          <a:chOff x="0" y="0"/>
+          <a:chExt cx="0" cy="0"/>
+        </a:xfrm>
+      </p:grpSpPr>
+      <p:sp>
+        <p:nvSpPr>
+          <p:cNvPr id="2" name="標題 1">
+            <a:extLst>
+              <a:ext uri="{FF2B5EF4-FFF2-40B4-BE49-F238E27FC236}">
+                <a16:creationId xmlns:a16="http://schemas.microsoft.com/office/drawing/2014/main" id="{32532283-9F93-4E44-8138-32796965361F}"/>
+              </a:ext>
+            </a:extLst>
+          </p:cNvPr>
+          <p:cNvSpPr>
+            <a:spLocks noGrp="1"/>
+          </p:cNvSpPr>
+          <p:nvPr>
+            <p:ph type="ctrTitle"/>
+          </p:nvPr>
+        </p:nvSpPr>
+        <p:spPr>
+          <a:xfrm>
+            <a:off x="334978" y="497941"/>
+            <a:ext cx="1816729" cy="776334"/>
+          </a:xfrm>
+        </p:spPr>
+        <p:txBody>
+          <a:bodyPr>
+            <a:normAutofit/>
+          </a:bodyPr>
+          <a:lstStyle/>
+          <a:p>
+            <a:r>
+              <a:rPr lang="en-US" altLang="zh-TW" sz="4000" dirty="0">
+                <a:latin typeface="Arial" panose="020B0604020202020204" pitchFamily="34" charset="0"/>
+                <a:ea typeface="微軟正黑體" panose="020B0604030504040204" pitchFamily="34" charset="-120"/>
+                <a:cs typeface="Arial" panose="020B0604020202020204" pitchFamily="34" charset="0"/>
+              </a:rPr>
+              <a:t>6.</a:t>
+            </a:r>
+            <a:r>
+              <a:rPr lang="zh-TW" altLang="en-US" sz="4000" b="1" dirty="0">
+                <a:latin typeface="Arial" panose="020B0604020202020204" pitchFamily="34" charset="0"/>
+                <a:ea typeface="微軟正黑體" panose="020B0604030504040204" pitchFamily="34" charset="-120"/>
+                <a:cs typeface="Arial" panose="020B0604020202020204" pitchFamily="34" charset="0"/>
+              </a:rPr>
+              <a:t>轉彎</a:t>
+            </a:r>
+          </a:p>
+        </p:txBody>
+      </p:sp>
+      <p:sp>
+        <p:nvSpPr>
+          <p:cNvPr id="3" name="副標題 2">
+            <a:extLst>
+              <a:ext uri="{FF2B5EF4-FFF2-40B4-BE49-F238E27FC236}">
+                <a16:creationId xmlns:a16="http://schemas.microsoft.com/office/drawing/2014/main" id="{8C946F38-524D-4B98-B9CB-80AEE57E455A}"/>
+              </a:ext>
+            </a:extLst>
+          </p:cNvPr>
+          <p:cNvSpPr>
+            <a:spLocks noGrp="1"/>
+          </p:cNvSpPr>
+          <p:nvPr>
+            <p:ph type="subTitle" idx="1"/>
+          </p:nvPr>
+        </p:nvSpPr>
+        <p:spPr>
+          <a:xfrm>
+            <a:off x="334978" y="1274275"/>
+            <a:ext cx="5761022" cy="5085784"/>
+          </a:xfrm>
+        </p:spPr>
+        <p:txBody>
+          <a:bodyPr/>
+          <a:lstStyle/>
+          <a:p>
+            <a:endParaRPr lang="zh-TW" altLang="en-US" dirty="0"/>
+          </a:p>
+        </p:txBody>
+      </p:sp>
+      <p:pic>
+        <p:nvPicPr>
+          <p:cNvPr id="6" name="圖片 5">
+            <a:extLst>
+              <a:ext uri="{FF2B5EF4-FFF2-40B4-BE49-F238E27FC236}">
+                <a16:creationId xmlns:a16="http://schemas.microsoft.com/office/drawing/2014/main" id="{C17A5F08-06E0-4C2A-A5E9-32F5F51C0921}"/>
+              </a:ext>
+            </a:extLst>
+          </p:cNvPr>
+          <p:cNvPicPr>
+            <a:picLocks noChangeAspect="1"/>
+          </p:cNvPicPr>
+          <p:nvPr/>
+        </p:nvPicPr>
+        <p:blipFill>
+          <a:blip r:embed="rId3">
+            <a:extLst>
+              <a:ext uri="{28A0092B-C50C-407E-A947-70E740481C1C}">
+                <a14:useLocalDpi xmlns:a14="http://schemas.microsoft.com/office/drawing/2010/main" val="0"/>
+              </a:ext>
+            </a:extLst>
+          </a:blip>
+          <a:stretch>
+            <a:fillRect/>
+          </a:stretch>
+        </p:blipFill>
+        <p:spPr>
+          <a:xfrm>
+            <a:off x="1051200" y="1390767"/>
+            <a:ext cx="4852800" cy="4852800"/>
+          </a:xfrm>
+          <a:prstGeom prst="rect">
+            <a:avLst/>
+          </a:prstGeom>
+        </p:spPr>
+      </p:pic>
+    </p:spTree>
+    <p:extLst>
+      <p:ext uri="{BB962C8B-B14F-4D97-AF65-F5344CB8AC3E}">
+        <p14:creationId xmlns:p14="http://schemas.microsoft.com/office/powerpoint/2010/main" val="2985138473"/>
+      </p:ext>
+    </p:extLst>
+  </p:cSld>
+  <p:clrMapOvr>
+    <a:masterClrMapping/>
+  </p:clrMapOvr>
+</p:sld>
+</file>
+
+<file path=ppt/slides/slide8.xml><?xml version="1.0" encoding="utf-8"?>
+<p:sld xmlns:a="http://schemas.openxmlformats.org/drawingml/2006/main" xmlns:r="http://schemas.openxmlformats.org/officeDocument/2006/relationships" xmlns:p="http://schemas.openxmlformats.org/presentationml/2006/main">
+  <p:cSld>
+    <p:bg>
+      <p:bgPr>
+        <a:solidFill>
+          <a:schemeClr val="accent1">
+            <a:lumMod val="60000"/>
+            <a:lumOff val="40000"/>
+          </a:schemeClr>
+        </a:solidFill>
+        <a:effectLst/>
+      </p:bgPr>
+    </p:bg>
+    <p:spTree>
+      <p:nvGrpSpPr>
+        <p:cNvPr id="1" name=""/>
+        <p:cNvGrpSpPr/>
+        <p:nvPr/>
+      </p:nvGrpSpPr>
+      <p:grpSpPr>
+        <a:xfrm>
+          <a:off x="0" y="0"/>
+          <a:ext cx="0" cy="0"/>
+          <a:chOff x="0" y="0"/>
+          <a:chExt cx="0" cy="0"/>
+        </a:xfrm>
+      </p:grpSpPr>
+      <p:sp>
+        <p:nvSpPr>
+          <p:cNvPr id="2" name="標題 1">
+            <a:extLst>
+              <a:ext uri="{FF2B5EF4-FFF2-40B4-BE49-F238E27FC236}">
+                <a16:creationId xmlns:a16="http://schemas.microsoft.com/office/drawing/2014/main" id="{32532283-9F93-4E44-8138-32796965361F}"/>
+              </a:ext>
+            </a:extLst>
+          </p:cNvPr>
+          <p:cNvSpPr>
+            <a:spLocks noGrp="1"/>
+          </p:cNvSpPr>
+          <p:nvPr>
+            <p:ph type="ctrTitle"/>
+          </p:nvPr>
+        </p:nvSpPr>
+        <p:spPr>
+          <a:xfrm>
+            <a:off x="334978" y="497941"/>
+            <a:ext cx="1816729" cy="776334"/>
+          </a:xfrm>
+        </p:spPr>
+        <p:txBody>
+          <a:bodyPr>
+            <a:normAutofit/>
+          </a:bodyPr>
+          <a:lstStyle/>
+          <a:p>
+            <a:r>
+              <a:rPr lang="en-US" altLang="zh-TW" sz="4000" dirty="0">
+                <a:latin typeface="Arial" panose="020B0604020202020204" pitchFamily="34" charset="0"/>
+                <a:ea typeface="微軟正黑體" panose="020B0604030504040204" pitchFamily="34" charset="-120"/>
+                <a:cs typeface="Arial" panose="020B0604020202020204" pitchFamily="34" charset="0"/>
+              </a:rPr>
+              <a:t>7.</a:t>
+            </a:r>
+            <a:r>
+              <a:rPr lang="zh-TW" altLang="en-US" sz="4000" b="1" dirty="0">
+                <a:latin typeface="Arial" panose="020B0604020202020204" pitchFamily="34" charset="0"/>
+                <a:ea typeface="微軟正黑體" panose="020B0604030504040204" pitchFamily="34" charset="-120"/>
+                <a:cs typeface="Arial" panose="020B0604020202020204" pitchFamily="34" charset="0"/>
+              </a:rPr>
+              <a:t>結局</a:t>
+            </a:r>
+          </a:p>
+        </p:txBody>
+      </p:sp>
+      <p:sp>
+        <p:nvSpPr>
+          <p:cNvPr id="3" name="副標題 2">
+            <a:extLst>
+              <a:ext uri="{FF2B5EF4-FFF2-40B4-BE49-F238E27FC236}">
+                <a16:creationId xmlns:a16="http://schemas.microsoft.com/office/drawing/2014/main" id="{8C946F38-524D-4B98-B9CB-80AEE57E455A}"/>
+              </a:ext>
+            </a:extLst>
+          </p:cNvPr>
+          <p:cNvSpPr>
+            <a:spLocks noGrp="1"/>
+          </p:cNvSpPr>
+          <p:nvPr>
+            <p:ph type="subTitle" idx="1"/>
+          </p:nvPr>
+        </p:nvSpPr>
+        <p:spPr>
+          <a:xfrm>
+            <a:off x="334978" y="1274275"/>
+            <a:ext cx="5761022" cy="5085784"/>
+          </a:xfrm>
+        </p:spPr>
+        <p:txBody>
+          <a:bodyPr/>
+          <a:lstStyle/>
+          <a:p>
+            <a:endParaRPr lang="zh-TW" altLang="en-US" dirty="0"/>
+          </a:p>
+        </p:txBody>
+      </p:sp>
+      <p:pic>
+        <p:nvPicPr>
+          <p:cNvPr id="6" name="圖片 5">
+            <a:extLst>
+              <a:ext uri="{FF2B5EF4-FFF2-40B4-BE49-F238E27FC236}">
+                <a16:creationId xmlns:a16="http://schemas.microsoft.com/office/drawing/2014/main" id="{C17A5F08-06E0-4C2A-A5E9-32F5F51C0921}"/>
+              </a:ext>
+            </a:extLst>
+          </p:cNvPr>
+          <p:cNvPicPr>
+            <a:picLocks noChangeAspect="1"/>
+          </p:cNvPicPr>
+          <p:nvPr/>
+        </p:nvPicPr>
+        <p:blipFill>
+          <a:blip r:embed="rId3">
+            <a:extLst>
+              <a:ext uri="{28A0092B-C50C-407E-A947-70E740481C1C}">
+                <a14:useLocalDpi xmlns:a14="http://schemas.microsoft.com/office/drawing/2010/main" val="0"/>
+              </a:ext>
+            </a:extLst>
+          </a:blip>
+          <a:stretch>
+            <a:fillRect/>
+          </a:stretch>
+        </p:blipFill>
+        <p:spPr>
+          <a:xfrm>
+            <a:off x="1051200" y="1390767"/>
+            <a:ext cx="4852800" cy="4852800"/>
+          </a:xfrm>
+          <a:prstGeom prst="rect">
+            <a:avLst/>
+          </a:prstGeom>
+        </p:spPr>
+      </p:pic>
+    </p:spTree>
+    <p:extLst>
+      <p:ext uri="{BB962C8B-B14F-4D97-AF65-F5344CB8AC3E}">
+        <p14:creationId xmlns:p14="http://schemas.microsoft.com/office/powerpoint/2010/main" val="655938220"/>
       </p:ext>
     </p:extLst>
   </p:cSld>
@@ -3677,4 +6335,299 @@
     </a:ext>
   </a:extLst>
 </a:theme>
+</file>
+
+<file path=ppt/theme/theme2.xml><?xml version="1.0" encoding="utf-8"?>
+<a:theme xmlns:a="http://schemas.openxmlformats.org/drawingml/2006/main" name="Office 佈景主題">
+  <a:themeElements>
+    <a:clrScheme name="Office">
+      <a:dk1>
+        <a:sysClr val="windowText" lastClr="000000"/>
+      </a:dk1>
+      <a:lt1>
+        <a:sysClr val="window" lastClr="FFFFFF"/>
+      </a:lt1>
+      <a:dk2>
+        <a:srgbClr val="44546A"/>
+      </a:dk2>
+      <a:lt2>
+        <a:srgbClr val="E7E6E6"/>
+      </a:lt2>
+      <a:accent1>
+        <a:srgbClr val="4472C4"/>
+      </a:accent1>
+      <a:accent2>
+        <a:srgbClr val="ED7D31"/>
+      </a:accent2>
+      <a:accent3>
+        <a:srgbClr val="A5A5A5"/>
+      </a:accent3>
+      <a:accent4>
+        <a:srgbClr val="FFC000"/>
+      </a:accent4>
+      <a:accent5>
+        <a:srgbClr val="5B9BD5"/>
+      </a:accent5>
+      <a:accent6>
+        <a:srgbClr val="70AD47"/>
+      </a:accent6>
+      <a:hlink>
+        <a:srgbClr val="0563C1"/>
+      </a:hlink>
+      <a:folHlink>
+        <a:srgbClr val="954F72"/>
+      </a:folHlink>
+    </a:clrScheme>
+    <a:fontScheme name="Office">
+      <a:majorFont>
+        <a:latin typeface="Calibri Light" panose="020F0302020204030204"/>
+        <a:ea typeface=""/>
+        <a:cs typeface=""/>
+        <a:font script="Jpan" typeface="游ゴシック Light"/>
+        <a:font script="Hang" typeface="맑은 고딕"/>
+        <a:font script="Hans" typeface="等线 Light"/>
+        <a:font script="Hant" typeface="新細明體"/>
+        <a:font script="Arab" typeface="Times New Roman"/>
+        <a:font script="Hebr" typeface="Times New Roman"/>
+        <a:font script="Thai" typeface="Angsana New"/>
+        <a:font script="Ethi" typeface="Nyala"/>
+        <a:font script="Beng" typeface="Vrinda"/>
+        <a:font script="Gujr" typeface="Shruti"/>
+        <a:font script="Khmr" typeface="MoolBoran"/>
+        <a:font script="Knda" typeface="Tunga"/>
+        <a:font script="Guru" typeface="Raavi"/>
+        <a:font script="Cans" typeface="Euphemia"/>
+        <a:font script="Cher" typeface="Plantagenet Cherokee"/>
+        <a:font script="Yiii" typeface="Microsoft Yi Baiti"/>
+        <a:font script="Tibt" typeface="Microsoft Himalaya"/>
+        <a:font script="Thaa" typeface="MV Boli"/>
+        <a:font script="Deva" typeface="Mangal"/>
+        <a:font script="Telu" typeface="Gautami"/>
+        <a:font script="Taml" typeface="Latha"/>
+        <a:font script="Syrc" typeface="Estrangelo Edessa"/>
+        <a:font script="Orya" typeface="Kalinga"/>
+        <a:font script="Mlym" typeface="Kartika"/>
+        <a:font script="Laoo" typeface="DokChampa"/>
+        <a:font script="Sinh" typeface="Iskoola Pota"/>
+        <a:font script="Mong" typeface="Mongolian Baiti"/>
+        <a:font script="Viet" typeface="Times New Roman"/>
+        <a:font script="Uigh" typeface="Microsoft Uighur"/>
+        <a:font script="Geor" typeface="Sylfaen"/>
+        <a:font script="Armn" typeface="Arial"/>
+        <a:font script="Bugi" typeface="Leelawadee UI"/>
+        <a:font script="Bopo" typeface="Microsoft JhengHei"/>
+        <a:font script="Java" typeface="Javanese Text"/>
+        <a:font script="Lisu" typeface="Segoe UI"/>
+        <a:font script="Mymr" typeface="Myanmar Text"/>
+        <a:font script="Nkoo" typeface="Ebrima"/>
+        <a:font script="Olck" typeface="Nirmala UI"/>
+        <a:font script="Osma" typeface="Ebrima"/>
+        <a:font script="Phag" typeface="Phagspa"/>
+        <a:font script="Syrn" typeface="Estrangelo Edessa"/>
+        <a:font script="Syrj" typeface="Estrangelo Edessa"/>
+        <a:font script="Syre" typeface="Estrangelo Edessa"/>
+        <a:font script="Sora" typeface="Nirmala UI"/>
+        <a:font script="Tale" typeface="Microsoft Tai Le"/>
+        <a:font script="Talu" typeface="Microsoft New Tai Lue"/>
+        <a:font script="Tfng" typeface="Ebrima"/>
+      </a:majorFont>
+      <a:minorFont>
+        <a:latin typeface="Calibri" panose="020F0502020204030204"/>
+        <a:ea typeface=""/>
+        <a:cs typeface=""/>
+        <a:font script="Jpan" typeface="游ゴシック"/>
+        <a:font script="Hang" typeface="맑은 고딕"/>
+        <a:font script="Hans" typeface="等线"/>
+        <a:font script="Hant" typeface="新細明體"/>
+        <a:font script="Arab" typeface="Arial"/>
+        <a:font script="Hebr" typeface="Arial"/>
+        <a:font script="Thai" typeface="Cordia New"/>
+        <a:font script="Ethi" typeface="Nyala"/>
+        <a:font script="Beng" typeface="Vrinda"/>
+        <a:font script="Gujr" typeface="Shruti"/>
+        <a:font script="Khmr" typeface="DaunPenh"/>
+        <a:font script="Knda" typeface="Tunga"/>
+        <a:font script="Guru" typeface="Raavi"/>
+        <a:font script="Cans" typeface="Euphemia"/>
+        <a:font script="Cher" typeface="Plantagenet Cherokee"/>
+        <a:font script="Yiii" typeface="Microsoft Yi Baiti"/>
+        <a:font script="Tibt" typeface="Microsoft Himalaya"/>
+        <a:font script="Thaa" typeface="MV Boli"/>
+        <a:font script="Deva" typeface="Mangal"/>
+        <a:font script="Telu" typeface="Gautami"/>
+        <a:font script="Taml" typeface="Latha"/>
+        <a:font script="Syrc" typeface="Estrangelo Edessa"/>
+        <a:font script="Orya" typeface="Kalinga"/>
+        <a:font script="Mlym" typeface="Kartika"/>
+        <a:font script="Laoo" typeface="DokChampa"/>
+        <a:font script="Sinh" typeface="Iskoola Pota"/>
+        <a:font script="Mong" typeface="Mongolian Baiti"/>
+        <a:font script="Viet" typeface="Arial"/>
+        <a:font script="Uigh" typeface="Microsoft Uighur"/>
+        <a:font script="Geor" typeface="Sylfaen"/>
+        <a:font script="Armn" typeface="Arial"/>
+        <a:font script="Bugi" typeface="Leelawadee UI"/>
+        <a:font script="Bopo" typeface="Microsoft JhengHei"/>
+        <a:font script="Java" typeface="Javanese Text"/>
+        <a:font script="Lisu" typeface="Segoe UI"/>
+        <a:font script="Mymr" typeface="Myanmar Text"/>
+        <a:font script="Nkoo" typeface="Ebrima"/>
+        <a:font script="Olck" typeface="Nirmala UI"/>
+        <a:font script="Osma" typeface="Ebrima"/>
+        <a:font script="Phag" typeface="Phagspa"/>
+        <a:font script="Syrn" typeface="Estrangelo Edessa"/>
+        <a:font script="Syrj" typeface="Estrangelo Edessa"/>
+        <a:font script="Syre" typeface="Estrangelo Edessa"/>
+        <a:font script="Sora" typeface="Nirmala UI"/>
+        <a:font script="Tale" typeface="Microsoft Tai Le"/>
+        <a:font script="Talu" typeface="Microsoft New Tai Lue"/>
+        <a:font script="Tfng" typeface="Ebrima"/>
+      </a:minorFont>
+    </a:fontScheme>
+    <a:fmtScheme name="Office">
+      <a:fillStyleLst>
+        <a:solidFill>
+          <a:schemeClr val="phClr"/>
+        </a:solidFill>
+        <a:gradFill rotWithShape="1">
+          <a:gsLst>
+            <a:gs pos="0">
+              <a:schemeClr val="phClr">
+                <a:lumMod val="110000"/>
+                <a:satMod val="105000"/>
+                <a:tint val="67000"/>
+              </a:schemeClr>
+            </a:gs>
+            <a:gs pos="50000">
+              <a:schemeClr val="phClr">
+                <a:lumMod val="105000"/>
+                <a:satMod val="103000"/>
+                <a:tint val="73000"/>
+              </a:schemeClr>
+            </a:gs>
+            <a:gs pos="100000">
+              <a:schemeClr val="phClr">
+                <a:lumMod val="105000"/>
+                <a:satMod val="109000"/>
+                <a:tint val="81000"/>
+              </a:schemeClr>
+            </a:gs>
+          </a:gsLst>
+          <a:lin ang="5400000" scaled="0"/>
+        </a:gradFill>
+        <a:gradFill rotWithShape="1">
+          <a:gsLst>
+            <a:gs pos="0">
+              <a:schemeClr val="phClr">
+                <a:satMod val="103000"/>
+                <a:lumMod val="102000"/>
+                <a:tint val="94000"/>
+              </a:schemeClr>
+            </a:gs>
+            <a:gs pos="50000">
+              <a:schemeClr val="phClr">
+                <a:satMod val="110000"/>
+                <a:lumMod val="100000"/>
+                <a:shade val="100000"/>
+              </a:schemeClr>
+            </a:gs>
+            <a:gs pos="100000">
+              <a:schemeClr val="phClr">
+                <a:lumMod val="99000"/>
+                <a:satMod val="120000"/>
+                <a:shade val="78000"/>
+              </a:schemeClr>
+            </a:gs>
+          </a:gsLst>
+          <a:lin ang="5400000" scaled="0"/>
+        </a:gradFill>
+      </a:fillStyleLst>
+      <a:lnStyleLst>
+        <a:ln w="6350" cap="flat" cmpd="sng" algn="ctr">
+          <a:solidFill>
+            <a:schemeClr val="phClr"/>
+          </a:solidFill>
+          <a:prstDash val="solid"/>
+          <a:miter lim="800000"/>
+        </a:ln>
+        <a:ln w="12700" cap="flat" cmpd="sng" algn="ctr">
+          <a:solidFill>
+            <a:schemeClr val="phClr"/>
+          </a:solidFill>
+          <a:prstDash val="solid"/>
+          <a:miter lim="800000"/>
+        </a:ln>
+        <a:ln w="19050" cap="flat" cmpd="sng" algn="ctr">
+          <a:solidFill>
+            <a:schemeClr val="phClr"/>
+          </a:solidFill>
+          <a:prstDash val="solid"/>
+          <a:miter lim="800000"/>
+        </a:ln>
+      </a:lnStyleLst>
+      <a:effectStyleLst>
+        <a:effectStyle>
+          <a:effectLst/>
+        </a:effectStyle>
+        <a:effectStyle>
+          <a:effectLst/>
+        </a:effectStyle>
+        <a:effectStyle>
+          <a:effectLst>
+            <a:outerShdw blurRad="57150" dist="19050" dir="5400000" algn="ctr" rotWithShape="0">
+              <a:srgbClr val="000000">
+                <a:alpha val="63000"/>
+              </a:srgbClr>
+            </a:outerShdw>
+          </a:effectLst>
+        </a:effectStyle>
+      </a:effectStyleLst>
+      <a:bgFillStyleLst>
+        <a:solidFill>
+          <a:schemeClr val="phClr"/>
+        </a:solidFill>
+        <a:solidFill>
+          <a:schemeClr val="phClr">
+            <a:tint val="95000"/>
+            <a:satMod val="170000"/>
+          </a:schemeClr>
+        </a:solidFill>
+        <a:gradFill rotWithShape="1">
+          <a:gsLst>
+            <a:gs pos="0">
+              <a:schemeClr val="phClr">
+                <a:tint val="93000"/>
+                <a:satMod val="150000"/>
+                <a:shade val="98000"/>
+                <a:lumMod val="102000"/>
+              </a:schemeClr>
+            </a:gs>
+            <a:gs pos="50000">
+              <a:schemeClr val="phClr">
+                <a:tint val="98000"/>
+                <a:satMod val="130000"/>
+                <a:shade val="90000"/>
+                <a:lumMod val="103000"/>
+              </a:schemeClr>
+            </a:gs>
+            <a:gs pos="100000">
+              <a:schemeClr val="phClr">
+                <a:shade val="63000"/>
+                <a:satMod val="120000"/>
+              </a:schemeClr>
+            </a:gs>
+          </a:gsLst>
+          <a:lin ang="5400000" scaled="0"/>
+        </a:gradFill>
+      </a:bgFillStyleLst>
+    </a:fmtScheme>
+  </a:themeElements>
+  <a:objectDefaults/>
+  <a:extraClrSchemeLst/>
+  <a:extLst>
+    <a:ext uri="{05A4C25C-085E-4340-85A3-A5531E510DB2}">
+      <thm15:themeFamily xmlns:thm15="http://schemas.microsoft.com/office/thememl/2012/main" name="Office Theme" id="{62F939B6-93AF-4DB8-9C6B-D6C7DFDC589F}" vid="{4A3C46E8-61CC-4603-A589-7422A47A8E4A}"/>
+    </a:ext>
+  </a:extLst>
+</a:theme>
 </file>